--- a/pptx/NósTreidamos.pptx
+++ b/pptx/NósTreidamos.pptx
@@ -14,12 +14,12 @@
     <p:sldId id="295" r:id="rId5"/>
     <p:sldId id="261" r:id="rId6"/>
     <p:sldId id="264" r:id="rId7"/>
-    <p:sldId id="278" r:id="rId8"/>
-    <p:sldId id="274" r:id="rId9"/>
-    <p:sldId id="271" r:id="rId10"/>
-    <p:sldId id="272" r:id="rId11"/>
-    <p:sldId id="299" r:id="rId12"/>
-    <p:sldId id="300" r:id="rId13"/>
+    <p:sldId id="299" r:id="rId8"/>
+    <p:sldId id="300" r:id="rId9"/>
+    <p:sldId id="272" r:id="rId10"/>
+    <p:sldId id="278" r:id="rId11"/>
+    <p:sldId id="274" r:id="rId12"/>
+    <p:sldId id="271" r:id="rId13"/>
     <p:sldId id="296" r:id="rId14"/>
     <p:sldId id="298" r:id="rId15"/>
     <p:sldId id="301" r:id="rId16"/>
@@ -271,6 +271,11 @@
       </a:defRPr>
     </a:lvl9pPr>
   </p:defaultTextStyle>
+  <p:extLst>
+    <p:ext uri="{EFAFB233-063F-42B5-8137-9DF3F51BA10A}">
+      <p15:sldGuideLst xmlns:p15="http://schemas.microsoft.com/office/powerpoint/2012/main"/>
+    </p:ext>
+  </p:extLst>
 </p:presentation>
 </file>
 
@@ -824,7 +829,7 @@
   <p:cSld>
     <p:spTree>
       <p:nvGrpSpPr>
-        <p:cNvPr id="1" name="Shape 210"/>
+        <p:cNvPr id="1" name="Shape 316"/>
         <p:cNvGrpSpPr/>
         <p:nvPr/>
       </p:nvGrpSpPr>
@@ -838,7 +843,7 @@
       </p:grpSpPr>
       <p:sp>
         <p:nvSpPr>
-          <p:cNvPr id="211" name="Google Shape;211;g35ed75ccf_044:notes"/>
+          <p:cNvPr id="317" name="Google Shape;317;g35ed75ccf_022:notes"/>
           <p:cNvSpPr>
             <a:spLocks noGrp="1" noRot="1" noChangeAspect="1"/>
           </p:cNvSpPr>
@@ -879,7 +884,7 @@
       </p:sp>
       <p:sp>
         <p:nvSpPr>
-          <p:cNvPr id="212" name="Google Shape;212;g35ed75ccf_044:notes"/>
+          <p:cNvPr id="318" name="Google Shape;318;g35ed75ccf_022:notes"/>
           <p:cNvSpPr txBox="1">
             <a:spLocks noGrp="1"/>
           </p:cNvSpPr>
@@ -928,7 +933,7 @@
   <p:cSld>
     <p:spTree>
       <p:nvGrpSpPr>
-        <p:cNvPr id="1" name="Shape 210"/>
+        <p:cNvPr id="1" name="Shape 256"/>
         <p:cNvGrpSpPr/>
         <p:nvPr/>
       </p:nvGrpSpPr>
@@ -942,7 +947,7 @@
       </p:grpSpPr>
       <p:sp>
         <p:nvSpPr>
-          <p:cNvPr id="211" name="Google Shape;211;g35ed75ccf_044:notes"/>
+          <p:cNvPr id="257" name="Google Shape;257;g35ed75ccf_073:notes"/>
           <p:cNvSpPr>
             <a:spLocks noGrp="1" noRot="1" noChangeAspect="1"/>
           </p:cNvSpPr>
@@ -983,7 +988,7 @@
       </p:sp>
       <p:sp>
         <p:nvSpPr>
-          <p:cNvPr id="212" name="Google Shape;212;g35ed75ccf_044:notes"/>
+          <p:cNvPr id="258" name="Google Shape;258;g35ed75ccf_073:notes"/>
           <p:cNvSpPr txBox="1">
             <a:spLocks noGrp="1"/>
           </p:cNvSpPr>
@@ -1020,11 +1025,6 @@
         </p:txBody>
       </p:sp>
     </p:spTree>
-    <p:extLst>
-      <p:ext uri="{BB962C8B-B14F-4D97-AF65-F5344CB8AC3E}">
-        <p14:creationId xmlns:p14="http://schemas.microsoft.com/office/powerpoint/2010/main" val="492875665"/>
-      </p:ext>
-    </p:extLst>
   </p:cSld>
   <p:clrMapOvr>
     <a:masterClrMapping/>
@@ -1037,7 +1037,7 @@
   <p:cSld>
     <p:spTree>
       <p:nvGrpSpPr>
-        <p:cNvPr id="1" name="Shape 210"/>
+        <p:cNvPr id="1" name="Shape 199"/>
         <p:cNvGrpSpPr/>
         <p:nvPr/>
       </p:nvGrpSpPr>
@@ -1051,7 +1051,7 @@
       </p:grpSpPr>
       <p:sp>
         <p:nvSpPr>
-          <p:cNvPr id="211" name="Google Shape;211;g35ed75ccf_044:notes"/>
+          <p:cNvPr id="200" name="Google Shape;200;g35ed75ccf_033:notes"/>
           <p:cNvSpPr>
             <a:spLocks noGrp="1" noRot="1" noChangeAspect="1"/>
           </p:cNvSpPr>
@@ -1092,7 +1092,7 @@
       </p:sp>
       <p:sp>
         <p:nvSpPr>
-          <p:cNvPr id="212" name="Google Shape;212;g35ed75ccf_044:notes"/>
+          <p:cNvPr id="201" name="Google Shape;201;g35ed75ccf_033:notes"/>
           <p:cNvSpPr txBox="1">
             <a:spLocks noGrp="1"/>
           </p:cNvSpPr>
@@ -1129,11 +1129,6 @@
         </p:txBody>
       </p:sp>
     </p:spTree>
-    <p:extLst>
-      <p:ext uri="{BB962C8B-B14F-4D97-AF65-F5344CB8AC3E}">
-        <p14:creationId xmlns:p14="http://schemas.microsoft.com/office/powerpoint/2010/main" val="1677653377"/>
-      </p:ext>
-    </p:extLst>
   </p:cSld>
   <p:clrMapOvr>
     <a:masterClrMapping/>
@@ -1998,7 +1993,7 @@
   <p:cSld>
     <p:spTree>
       <p:nvGrpSpPr>
-        <p:cNvPr id="1" name="Shape 316"/>
+        <p:cNvPr id="1" name="Shape 210"/>
         <p:cNvGrpSpPr/>
         <p:nvPr/>
       </p:nvGrpSpPr>
@@ -2012,7 +2007,7 @@
       </p:grpSpPr>
       <p:sp>
         <p:nvSpPr>
-          <p:cNvPr id="317" name="Google Shape;317;g35ed75ccf_022:notes"/>
+          <p:cNvPr id="211" name="Google Shape;211;g35ed75ccf_044:notes"/>
           <p:cNvSpPr>
             <a:spLocks noGrp="1" noRot="1" noChangeAspect="1"/>
           </p:cNvSpPr>
@@ -2053,7 +2048,7 @@
       </p:sp>
       <p:sp>
         <p:nvSpPr>
-          <p:cNvPr id="318" name="Google Shape;318;g35ed75ccf_022:notes"/>
+          <p:cNvPr id="212" name="Google Shape;212;g35ed75ccf_044:notes"/>
           <p:cNvSpPr txBox="1">
             <a:spLocks noGrp="1"/>
           </p:cNvSpPr>
@@ -2090,6 +2085,11 @@
         </p:txBody>
       </p:sp>
     </p:spTree>
+    <p:extLst>
+      <p:ext uri="{BB962C8B-B14F-4D97-AF65-F5344CB8AC3E}">
+        <p14:creationId xmlns:p14="http://schemas.microsoft.com/office/powerpoint/2010/main" val="492875665"/>
+      </p:ext>
+    </p:extLst>
   </p:cSld>
   <p:clrMapOvr>
     <a:masterClrMapping/>
@@ -2102,7 +2102,7 @@
   <p:cSld>
     <p:spTree>
       <p:nvGrpSpPr>
-        <p:cNvPr id="1" name="Shape 256"/>
+        <p:cNvPr id="1" name="Shape 210"/>
         <p:cNvGrpSpPr/>
         <p:nvPr/>
       </p:nvGrpSpPr>
@@ -2116,7 +2116,7 @@
       </p:grpSpPr>
       <p:sp>
         <p:nvSpPr>
-          <p:cNvPr id="257" name="Google Shape;257;g35ed75ccf_073:notes"/>
+          <p:cNvPr id="211" name="Google Shape;211;g35ed75ccf_044:notes"/>
           <p:cNvSpPr>
             <a:spLocks noGrp="1" noRot="1" noChangeAspect="1"/>
           </p:cNvSpPr>
@@ -2157,7 +2157,7 @@
       </p:sp>
       <p:sp>
         <p:nvSpPr>
-          <p:cNvPr id="258" name="Google Shape;258;g35ed75ccf_073:notes"/>
+          <p:cNvPr id="212" name="Google Shape;212;g35ed75ccf_044:notes"/>
           <p:cNvSpPr txBox="1">
             <a:spLocks noGrp="1"/>
           </p:cNvSpPr>
@@ -2194,6 +2194,11 @@
         </p:txBody>
       </p:sp>
     </p:spTree>
+    <p:extLst>
+      <p:ext uri="{BB962C8B-B14F-4D97-AF65-F5344CB8AC3E}">
+        <p14:creationId xmlns:p14="http://schemas.microsoft.com/office/powerpoint/2010/main" val="1677653377"/>
+      </p:ext>
+    </p:extLst>
   </p:cSld>
   <p:clrMapOvr>
     <a:masterClrMapping/>
@@ -2206,7 +2211,7 @@
   <p:cSld>
     <p:spTree>
       <p:nvGrpSpPr>
-        <p:cNvPr id="1" name="Shape 199"/>
+        <p:cNvPr id="1" name="Shape 210"/>
         <p:cNvGrpSpPr/>
         <p:nvPr/>
       </p:nvGrpSpPr>
@@ -2220,7 +2225,7 @@
       </p:grpSpPr>
       <p:sp>
         <p:nvSpPr>
-          <p:cNvPr id="200" name="Google Shape;200;g35ed75ccf_033:notes"/>
+          <p:cNvPr id="211" name="Google Shape;211;g35ed75ccf_044:notes"/>
           <p:cNvSpPr>
             <a:spLocks noGrp="1" noRot="1" noChangeAspect="1"/>
           </p:cNvSpPr>
@@ -2261,7 +2266,7 @@
       </p:sp>
       <p:sp>
         <p:nvSpPr>
-          <p:cNvPr id="201" name="Google Shape;201;g35ed75ccf_033:notes"/>
+          <p:cNvPr id="212" name="Google Shape;212;g35ed75ccf_044:notes"/>
           <p:cNvSpPr txBox="1">
             <a:spLocks noGrp="1"/>
           </p:cNvSpPr>
@@ -6867,7 +6872,7 @@
   <p:cSld>
     <p:spTree>
       <p:nvGrpSpPr>
-        <p:cNvPr id="1" name="Shape 213"/>
+        <p:cNvPr id="1" name="Shape 319"/>
         <p:cNvGrpSpPr/>
         <p:nvPr/>
       </p:nvGrpSpPr>
@@ -6881,22 +6886,23 @@
       </p:grpSpPr>
       <p:sp>
         <p:nvSpPr>
-          <p:cNvPr id="216" name="Google Shape;216;p28"/>
+          <p:cNvPr id="320" name="Google Shape;320;p34"/>
           <p:cNvSpPr txBox="1">
             <a:spLocks noGrp="1"/>
           </p:cNvSpPr>
           <p:nvPr>
-            <p:ph type="title" idx="4294967295"/>
+            <p:ph type="ctrTitle" idx="4294967295"/>
           </p:nvPr>
         </p:nvSpPr>
         <p:spPr>
           <a:xfrm>
-            <a:off x="1810300" y="556800"/>
-            <a:ext cx="5523600" cy="477900"/>
+            <a:off x="685800" y="857249"/>
+            <a:ext cx="7772400" cy="742800"/>
           </a:xfrm>
           <a:prstGeom prst="rect">
             <a:avLst/>
           </a:prstGeom>
+          <a:noFill/>
         </p:spPr>
         <p:txBody>
           <a:bodyPr spcFirstLastPara="1" wrap="square" lIns="91425" tIns="91425" rIns="91425" bIns="91425" anchor="ctr" anchorCtr="0">
@@ -6913,45 +6919,42 @@
               </a:spcAft>
               <a:buNone/>
             </a:pPr>
-            <a:r>
-              <a:rPr lang="en"/>
-              <a:t>Our process is easy</a:t>
-            </a:r>
-            <a:endParaRPr/>
+            <a:endParaRPr sz="2400" dirty="0">
+              <a:solidFill>
+                <a:schemeClr val="accent1"/>
+              </a:solidFill>
+            </a:endParaRPr>
           </a:p>
         </p:txBody>
       </p:sp>
       <p:sp>
         <p:nvSpPr>
-          <p:cNvPr id="217" name="Google Shape;217;p28"/>
+          <p:cNvPr id="321" name="Google Shape;321;p34"/>
           <p:cNvSpPr txBox="1">
             <a:spLocks noGrp="1"/>
           </p:cNvSpPr>
           <p:nvPr>
-            <p:ph type="title"/>
+            <p:ph type="subTitle" idx="4294967295"/>
           </p:nvPr>
         </p:nvSpPr>
         <p:spPr>
           <a:xfrm>
-            <a:off x="1810200" y="557513"/>
-            <a:ext cx="5523600" cy="477900"/>
+            <a:off x="1143000" y="1468463"/>
+            <a:ext cx="6972300" cy="784800"/>
           </a:xfrm>
           <a:prstGeom prst="rect">
             <a:avLst/>
           </a:prstGeom>
-          <a:solidFill>
-            <a:srgbClr val="002060"/>
-          </a:solidFill>
         </p:spPr>
         <p:txBody>
-          <a:bodyPr spcFirstLastPara="1" wrap="square" lIns="91425" tIns="91425" rIns="91425" bIns="91425" anchor="ctr" anchorCtr="0">
+          <a:bodyPr spcFirstLastPara="1" wrap="square" lIns="91425" tIns="91425" rIns="91425" bIns="91425" anchor="t" anchorCtr="0">
             <a:noAutofit/>
           </a:bodyPr>
           <a:lstStyle/>
           <a:p>
             <a:pPr marL="0" lvl="0" indent="0" algn="ctr" rtl="0">
               <a:spcBef>
-                <a:spcPts val="0"/>
+                <a:spcPts val="600"/>
               </a:spcBef>
               <a:spcAft>
                 <a:spcPts val="0"/>
@@ -6959,16 +6962,114 @@
               <a:buNone/>
             </a:pPr>
             <a:r>
-              <a:rPr lang="en" dirty="0"/>
-              <a:t>Banco de Dados – Modelo Lógico</a:t>
+              <a:rPr lang="en" sz="3200" b="1" dirty="0">
+                <a:solidFill>
+                  <a:schemeClr val="lt1"/>
+                </a:solidFill>
+              </a:rPr>
+              <a:t>Métricas de dados da plataforma</a:t>
             </a:r>
-            <a:endParaRPr dirty="0"/>
+            <a:endParaRPr sz="3200" b="1" dirty="0">
+              <a:solidFill>
+                <a:schemeClr val="lt1"/>
+              </a:solidFill>
+            </a:endParaRPr>
           </a:p>
         </p:txBody>
       </p:sp>
       <p:sp>
         <p:nvSpPr>
-          <p:cNvPr id="219" name="Google Shape;219;p28"/>
+          <p:cNvPr id="322" name="Google Shape;322;p34"/>
+          <p:cNvSpPr txBox="1">
+            <a:spLocks noGrp="1"/>
+          </p:cNvSpPr>
+          <p:nvPr>
+            <p:ph type="body" idx="4294967295"/>
+          </p:nvPr>
+        </p:nvSpPr>
+        <p:spPr>
+          <a:xfrm>
+            <a:off x="1275150" y="2841694"/>
+            <a:ext cx="6593700" cy="1288800"/>
+          </a:xfrm>
+          <a:prstGeom prst="rect">
+            <a:avLst/>
+          </a:prstGeom>
+        </p:spPr>
+        <p:txBody>
+          <a:bodyPr spcFirstLastPara="1" wrap="square" lIns="91425" tIns="91425" rIns="91425" bIns="91425" anchor="t" anchorCtr="0">
+            <a:noAutofit/>
+          </a:bodyPr>
+          <a:lstStyle/>
+          <a:p>
+            <a:pPr marL="0" lvl="0" indent="0" algn="ctr" rtl="0">
+              <a:spcBef>
+                <a:spcPts val="600"/>
+              </a:spcBef>
+              <a:spcAft>
+                <a:spcPts val="0"/>
+              </a:spcAft>
+              <a:buNone/>
+            </a:pPr>
+            <a:r>
+              <a:rPr lang="pt-BR" sz="1800" dirty="0">
+                <a:solidFill>
+                  <a:srgbClr val="FFFFFF"/>
+                </a:solidFill>
+              </a:rPr>
+              <a:t>Faixa etária dos usuários</a:t>
+            </a:r>
+            <a:endParaRPr sz="1800" dirty="0">
+              <a:solidFill>
+                <a:srgbClr val="FFFFFF"/>
+              </a:solidFill>
+            </a:endParaRPr>
+          </a:p>
+          <a:p>
+            <a:pPr marL="0" lvl="0" indent="0" algn="ctr" rtl="0">
+              <a:spcBef>
+                <a:spcPts val="600"/>
+              </a:spcBef>
+              <a:spcAft>
+                <a:spcPts val="0"/>
+              </a:spcAft>
+              <a:buNone/>
+            </a:pPr>
+            <a:r>
+              <a:rPr lang="pt-BR" sz="1800" dirty="0">
+                <a:solidFill>
+                  <a:srgbClr val="FFFFFF"/>
+                </a:solidFill>
+              </a:rPr>
+              <a:t>Dados do simulador</a:t>
+            </a:r>
+            <a:endParaRPr lang="en" sz="1800" dirty="0">
+              <a:solidFill>
+                <a:srgbClr val="FFFFFF"/>
+              </a:solidFill>
+            </a:endParaRPr>
+          </a:p>
+          <a:p>
+            <a:pPr marL="0" lvl="0" indent="0" algn="ctr" rtl="0">
+              <a:spcBef>
+                <a:spcPts val="600"/>
+              </a:spcBef>
+              <a:spcAft>
+                <a:spcPts val="0"/>
+              </a:spcAft>
+              <a:buNone/>
+            </a:pPr>
+            <a:endParaRPr lang="en" sz="1800" dirty="0">
+              <a:solidFill>
+                <a:srgbClr val="FFFFFF"/>
+              </a:solidFill>
+            </a:endParaRPr>
+          </a:p>
+        </p:txBody>
+      </p:sp>
+      <p:sp>
+        <p:nvSpPr>
+          <p:cNvPr id="323" name="Google Shape;323;p34"/>
           <p:cNvSpPr txBox="1">
             <a:spLocks noGrp="1"/>
           </p:cNvSpPr>
@@ -7008,12 +7109,346 @@
           </a:p>
         </p:txBody>
       </p:sp>
+      <p:grpSp>
+        <p:nvGrpSpPr>
+          <p:cNvPr id="324" name="Google Shape;324;p34"/>
+          <p:cNvGrpSpPr/>
+          <p:nvPr/>
+        </p:nvGrpSpPr>
+        <p:grpSpPr>
+          <a:xfrm>
+            <a:off x="3927600" y="2539800"/>
+            <a:ext cx="1288800" cy="63900"/>
+            <a:chOff x="3927600" y="2539800"/>
+            <a:chExt cx="1288800" cy="63900"/>
+          </a:xfrm>
+        </p:grpSpPr>
+        <p:cxnSp>
+          <p:nvCxnSpPr>
+            <p:cNvPr id="325" name="Google Shape;325;p34"/>
+            <p:cNvCxnSpPr/>
+            <p:nvPr/>
+          </p:nvCxnSpPr>
+          <p:spPr>
+            <a:xfrm>
+              <a:off x="3927600" y="2571750"/>
+              <a:ext cx="1288800" cy="0"/>
+            </a:xfrm>
+            <a:prstGeom prst="straightConnector1">
+              <a:avLst/>
+            </a:prstGeom>
+            <a:noFill/>
+            <a:ln w="9525" cap="flat" cmpd="sng">
+              <a:solidFill>
+                <a:schemeClr val="accent3"/>
+              </a:solidFill>
+              <a:prstDash val="solid"/>
+              <a:round/>
+              <a:headEnd type="none" w="med" len="med"/>
+              <a:tailEnd type="none" w="med" len="med"/>
+            </a:ln>
+          </p:spPr>
+        </p:cxnSp>
+        <p:sp>
+          <p:nvSpPr>
+            <p:cNvPr id="326" name="Google Shape;326;p34"/>
+            <p:cNvSpPr/>
+            <p:nvPr/>
+          </p:nvSpPr>
+          <p:spPr>
+            <a:xfrm flipH="1">
+              <a:off x="4538275" y="2539800"/>
+              <a:ext cx="67500" cy="63900"/>
+            </a:xfrm>
+            <a:prstGeom prst="diamond">
+              <a:avLst/>
+            </a:prstGeom>
+            <a:solidFill>
+              <a:srgbClr val="222222"/>
+            </a:solidFill>
+            <a:ln w="19050" cap="flat" cmpd="sng">
+              <a:solidFill>
+                <a:schemeClr val="accent3"/>
+              </a:solidFill>
+              <a:prstDash val="solid"/>
+              <a:round/>
+              <a:headEnd type="none" w="sm" len="sm"/>
+              <a:tailEnd type="none" w="sm" len="sm"/>
+            </a:ln>
+          </p:spPr>
+          <p:txBody>
+            <a:bodyPr spcFirstLastPara="1" wrap="square" lIns="91425" tIns="91425" rIns="91425" bIns="91425" anchor="ctr" anchorCtr="0">
+              <a:noAutofit/>
+            </a:bodyPr>
+            <a:lstStyle/>
+            <a:p>
+              <a:pPr marL="0" lvl="0" indent="0" algn="l" rtl="0">
+                <a:spcBef>
+                  <a:spcPts val="0"/>
+                </a:spcBef>
+                <a:spcAft>
+                  <a:spcPts val="0"/>
+                </a:spcAft>
+                <a:buNone/>
+              </a:pPr>
+              <a:endParaRPr/>
+            </a:p>
+          </p:txBody>
+        </p:sp>
+      </p:grpSp>
+    </p:spTree>
+  </p:cSld>
+  <p:clrMapOvr>
+    <a:masterClrMapping/>
+  </p:clrMapOvr>
+</p:sld>
+</file>
+
+<file path=ppt/slides/slide11.xml><?xml version="1.0" encoding="utf-8"?>
+<p:sld xmlns:a="http://schemas.openxmlformats.org/drawingml/2006/main" xmlns:r="http://schemas.openxmlformats.org/officeDocument/2006/relationships" xmlns:p="http://schemas.openxmlformats.org/presentationml/2006/main">
+  <p:cSld>
+    <p:spTree>
+      <p:nvGrpSpPr>
+        <p:cNvPr id="1" name="Shape 259"/>
+        <p:cNvGrpSpPr/>
+        <p:nvPr/>
+      </p:nvGrpSpPr>
+      <p:grpSpPr>
+        <a:xfrm>
+          <a:off x="0" y="0"/>
+          <a:ext cx="0" cy="0"/>
+          <a:chOff x="0" y="0"/>
+          <a:chExt cx="0" cy="0"/>
+        </a:xfrm>
+      </p:grpSpPr>
+      <p:sp>
+        <p:nvSpPr>
+          <p:cNvPr id="260" name="Google Shape;260;p30"/>
+          <p:cNvSpPr txBox="1">
+            <a:spLocks noGrp="1"/>
+          </p:cNvSpPr>
+          <p:nvPr>
+            <p:ph type="body" idx="1"/>
+          </p:nvPr>
+        </p:nvSpPr>
+        <p:spPr>
+          <a:xfrm>
+            <a:off x="457200" y="4346775"/>
+            <a:ext cx="8229600" cy="554400"/>
+          </a:xfrm>
+          <a:prstGeom prst="rect">
+            <a:avLst/>
+          </a:prstGeom>
+        </p:spPr>
+        <p:txBody>
+          <a:bodyPr spcFirstLastPara="1" wrap="square" lIns="91425" tIns="91425" rIns="91425" bIns="91425" anchor="ctr" anchorCtr="0">
+            <a:noAutofit/>
+          </a:bodyPr>
+          <a:lstStyle/>
+          <a:p>
+            <a:pPr marL="0" lvl="0" indent="0" algn="ctr" rtl="0">
+              <a:spcBef>
+                <a:spcPts val="360"/>
+              </a:spcBef>
+              <a:spcAft>
+                <a:spcPts val="0"/>
+              </a:spcAft>
+              <a:buNone/>
+            </a:pPr>
+            <a:r>
+              <a:rPr lang="en" dirty="0">
+                <a:solidFill>
+                  <a:srgbClr val="FF3300"/>
+                </a:solidFill>
+              </a:rPr>
+              <a:t>Faixa etária dos usuários da plataforma</a:t>
+            </a:r>
+            <a:endParaRPr dirty="0">
+              <a:solidFill>
+                <a:srgbClr val="FF3300"/>
+              </a:solidFill>
+            </a:endParaRPr>
+          </a:p>
+        </p:txBody>
+      </p:sp>
+      <p:sp>
+        <p:nvSpPr>
+          <p:cNvPr id="261" name="Google Shape;261;p30"/>
+          <p:cNvSpPr txBox="1">
+            <a:spLocks noGrp="1"/>
+          </p:cNvSpPr>
+          <p:nvPr>
+            <p:ph type="sldNum" idx="12"/>
+          </p:nvPr>
+        </p:nvSpPr>
+        <p:spPr>
+          <a:xfrm>
+            <a:off x="4297650" y="4764749"/>
+            <a:ext cx="548700" cy="302700"/>
+          </a:xfrm>
+          <a:prstGeom prst="rect">
+            <a:avLst/>
+          </a:prstGeom>
+        </p:spPr>
+        <p:txBody>
+          <a:bodyPr spcFirstLastPara="1" wrap="square" lIns="91425" tIns="91425" rIns="91425" bIns="91425" anchor="t" anchorCtr="0">
+            <a:noAutofit/>
+          </a:bodyPr>
+          <a:lstStyle/>
+          <a:p>
+            <a:pPr marL="0" lvl="0" indent="0" algn="ctr" rtl="0">
+              <a:spcBef>
+                <a:spcPts val="0"/>
+              </a:spcBef>
+              <a:spcAft>
+                <a:spcPts val="0"/>
+              </a:spcAft>
+              <a:buNone/>
+            </a:pPr>
+            <a:fld id="{00000000-1234-1234-1234-123412341234}" type="slidenum">
+              <a:rPr lang="en"/>
+              <a:t>11</a:t>
+            </a:fld>
+            <a:endParaRPr/>
+          </a:p>
+        </p:txBody>
+      </p:sp>
+      <p:cxnSp>
+        <p:nvCxnSpPr>
+          <p:cNvPr id="262" name="Google Shape;262;p30"/>
+          <p:cNvCxnSpPr/>
+          <p:nvPr/>
+        </p:nvCxnSpPr>
+        <p:spPr>
+          <a:xfrm>
+            <a:off x="952500" y="870101"/>
+            <a:ext cx="7239000" cy="0"/>
+          </a:xfrm>
+          <a:prstGeom prst="straightConnector1">
+            <a:avLst/>
+          </a:prstGeom>
+          <a:noFill/>
+          <a:ln w="9525" cap="flat" cmpd="sng">
+            <a:solidFill>
+              <a:schemeClr val="lt2"/>
+            </a:solidFill>
+            <a:prstDash val="solid"/>
+            <a:round/>
+            <a:headEnd type="none" w="med" len="med"/>
+            <a:tailEnd type="none" w="med" len="med"/>
+          </a:ln>
+        </p:spPr>
+      </p:cxnSp>
+      <p:cxnSp>
+        <p:nvCxnSpPr>
+          <p:cNvPr id="263" name="Google Shape;263;p30"/>
+          <p:cNvCxnSpPr/>
+          <p:nvPr/>
+        </p:nvCxnSpPr>
+        <p:spPr>
+          <a:xfrm>
+            <a:off x="952500" y="1579583"/>
+            <a:ext cx="7239000" cy="0"/>
+          </a:xfrm>
+          <a:prstGeom prst="straightConnector1">
+            <a:avLst/>
+          </a:prstGeom>
+          <a:noFill/>
+          <a:ln w="9525" cap="flat" cmpd="sng">
+            <a:solidFill>
+              <a:schemeClr val="lt2"/>
+            </a:solidFill>
+            <a:prstDash val="solid"/>
+            <a:round/>
+            <a:headEnd type="none" w="med" len="med"/>
+            <a:tailEnd type="none" w="med" len="med"/>
+          </a:ln>
+        </p:spPr>
+      </p:cxnSp>
+      <p:cxnSp>
+        <p:nvCxnSpPr>
+          <p:cNvPr id="264" name="Google Shape;264;p30"/>
+          <p:cNvCxnSpPr/>
+          <p:nvPr/>
+        </p:nvCxnSpPr>
+        <p:spPr>
+          <a:xfrm>
+            <a:off x="952500" y="2289064"/>
+            <a:ext cx="7239000" cy="0"/>
+          </a:xfrm>
+          <a:prstGeom prst="straightConnector1">
+            <a:avLst/>
+          </a:prstGeom>
+          <a:noFill/>
+          <a:ln w="9525" cap="flat" cmpd="sng">
+            <a:solidFill>
+              <a:schemeClr val="lt2"/>
+            </a:solidFill>
+            <a:prstDash val="solid"/>
+            <a:round/>
+            <a:headEnd type="none" w="med" len="med"/>
+            <a:tailEnd type="none" w="med" len="med"/>
+          </a:ln>
+        </p:spPr>
+      </p:cxnSp>
+      <p:cxnSp>
+        <p:nvCxnSpPr>
+          <p:cNvPr id="265" name="Google Shape;265;p30"/>
+          <p:cNvCxnSpPr/>
+          <p:nvPr/>
+        </p:nvCxnSpPr>
+        <p:spPr>
+          <a:xfrm>
+            <a:off x="952500" y="2998546"/>
+            <a:ext cx="7239000" cy="0"/>
+          </a:xfrm>
+          <a:prstGeom prst="straightConnector1">
+            <a:avLst/>
+          </a:prstGeom>
+          <a:noFill/>
+          <a:ln w="9525" cap="flat" cmpd="sng">
+            <a:solidFill>
+              <a:schemeClr val="lt2"/>
+            </a:solidFill>
+            <a:prstDash val="solid"/>
+            <a:round/>
+            <a:headEnd type="none" w="med" len="med"/>
+            <a:tailEnd type="none" w="med" len="med"/>
+          </a:ln>
+        </p:spPr>
+      </p:cxnSp>
+      <p:cxnSp>
+        <p:nvCxnSpPr>
+          <p:cNvPr id="266" name="Google Shape;266;p30"/>
+          <p:cNvCxnSpPr/>
+          <p:nvPr/>
+        </p:nvCxnSpPr>
+        <p:spPr>
+          <a:xfrm>
+            <a:off x="952500" y="3729926"/>
+            <a:ext cx="7239000" cy="0"/>
+          </a:xfrm>
+          <a:prstGeom prst="straightConnector1">
+            <a:avLst/>
+          </a:prstGeom>
+          <a:noFill/>
+          <a:ln w="9525" cap="flat" cmpd="sng">
+            <a:solidFill>
+              <a:schemeClr val="lt2"/>
+            </a:solidFill>
+            <a:prstDash val="solid"/>
+            <a:round/>
+            <a:headEnd type="none" w="med" len="med"/>
+            <a:tailEnd type="none" w="med" len="med"/>
+          </a:ln>
+        </p:spPr>
+      </p:cxnSp>
       <p:pic>
         <p:nvPicPr>
-          <p:cNvPr id="3" name="Imagem 2">
+          <p:cNvPr id="5" name="Imagem 4">
             <a:extLst>
               <a:ext uri="{FF2B5EF4-FFF2-40B4-BE49-F238E27FC236}">
-                <a16:creationId xmlns:a16="http://schemas.microsoft.com/office/drawing/2014/main" id="{6DDA637E-A570-4F27-B787-DE8CE4B1A344}"/>
+                <a16:creationId xmlns:a16="http://schemas.microsoft.com/office/drawing/2014/main" id="{07E08ED1-CD4E-4592-8C0B-235446D67051}"/>
               </a:ext>
             </a:extLst>
           </p:cNvPr>
@@ -7030,8 +7465,38 @@
         </p:blipFill>
         <p:spPr>
           <a:xfrm>
-            <a:off x="1439908" y="1487152"/>
-            <a:ext cx="6264183" cy="3276884"/>
+            <a:off x="61699" y="541227"/>
+            <a:ext cx="4354357" cy="3732172"/>
+          </a:xfrm>
+          <a:prstGeom prst="rect">
+            <a:avLst/>
+          </a:prstGeom>
+        </p:spPr>
+      </p:pic>
+      <p:pic>
+        <p:nvPicPr>
+          <p:cNvPr id="7" name="Imagem 6">
+            <a:extLst>
+              <a:ext uri="{FF2B5EF4-FFF2-40B4-BE49-F238E27FC236}">
+                <a16:creationId xmlns:a16="http://schemas.microsoft.com/office/drawing/2014/main" id="{81837918-C721-4368-9119-1B0CFD82D019}"/>
+              </a:ext>
+            </a:extLst>
+          </p:cNvPr>
+          <p:cNvPicPr>
+            <a:picLocks noChangeAspect="1"/>
+          </p:cNvPicPr>
+          <p:nvPr/>
+        </p:nvPicPr>
+        <p:blipFill>
+          <a:blip r:embed="rId4"/>
+          <a:stretch>
+            <a:fillRect/>
+          </a:stretch>
+        </p:blipFill>
+        <p:spPr>
+          <a:xfrm>
+            <a:off x="4508205" y="541227"/>
+            <a:ext cx="4430232" cy="3732172"/>
           </a:xfrm>
           <a:prstGeom prst="rect">
             <a:avLst/>
@@ -7039,378 +7504,6 @@
         </p:spPr>
       </p:pic>
     </p:spTree>
-  </p:cSld>
-  <p:clrMapOvr>
-    <a:masterClrMapping/>
-  </p:clrMapOvr>
-</p:sld>
-</file>
-
-<file path=ppt/slides/slide11.xml><?xml version="1.0" encoding="utf-8"?>
-<p:sld xmlns:a="http://schemas.openxmlformats.org/drawingml/2006/main" xmlns:r="http://schemas.openxmlformats.org/officeDocument/2006/relationships" xmlns:p="http://schemas.openxmlformats.org/presentationml/2006/main">
-  <p:cSld>
-    <p:spTree>
-      <p:nvGrpSpPr>
-        <p:cNvPr id="1" name="Shape 213"/>
-        <p:cNvGrpSpPr/>
-        <p:nvPr/>
-      </p:nvGrpSpPr>
-      <p:grpSpPr>
-        <a:xfrm>
-          <a:off x="0" y="0"/>
-          <a:ext cx="0" cy="0"/>
-          <a:chOff x="0" y="0"/>
-          <a:chExt cx="0" cy="0"/>
-        </a:xfrm>
-      </p:grpSpPr>
-      <p:sp>
-        <p:nvSpPr>
-          <p:cNvPr id="214" name="Google Shape;214;p28"/>
-          <p:cNvSpPr/>
-          <p:nvPr/>
-        </p:nvSpPr>
-        <p:spPr>
-          <a:xfrm>
-            <a:off x="5742457" y="1915538"/>
-            <a:ext cx="2676000" cy="1312500"/>
-          </a:xfrm>
-          <a:prstGeom prst="rightArrowCallout">
-            <a:avLst>
-              <a:gd name="adj1" fmla="val 12817"/>
-              <a:gd name="adj2" fmla="val 14101"/>
-              <a:gd name="adj3" fmla="val 18037"/>
-              <a:gd name="adj4" fmla="val 78813"/>
-            </a:avLst>
-          </a:prstGeom>
-          <a:solidFill>
-            <a:srgbClr val="FFFFFF"/>
-          </a:solidFill>
-          <a:ln w="38100" cap="flat" cmpd="sng">
-            <a:solidFill>
-              <a:schemeClr val="dk1"/>
-            </a:solidFill>
-            <a:prstDash val="solid"/>
-            <a:round/>
-            <a:headEnd type="none" w="sm" len="sm"/>
-            <a:tailEnd type="none" w="sm" len="sm"/>
-          </a:ln>
-        </p:spPr>
-        <p:txBody>
-          <a:bodyPr spcFirstLastPara="1" wrap="square" lIns="91425" tIns="91425" rIns="91425" bIns="91425" anchor="ctr" anchorCtr="0">
-            <a:noAutofit/>
-          </a:bodyPr>
-          <a:lstStyle/>
-          <a:p>
-            <a:pPr marL="0" lvl="0" indent="0" algn="ctr" rtl="0">
-              <a:spcBef>
-                <a:spcPts val="0"/>
-              </a:spcBef>
-              <a:spcAft>
-                <a:spcPts val="0"/>
-              </a:spcAft>
-              <a:buNone/>
-            </a:pPr>
-            <a:r>
-              <a:rPr lang="en" sz="1800">
-                <a:solidFill>
-                  <a:schemeClr val="dk1"/>
-                </a:solidFill>
-                <a:latin typeface="Raleway"/>
-                <a:ea typeface="Raleway"/>
-                <a:cs typeface="Raleway"/>
-                <a:sym typeface="Raleway"/>
-              </a:rPr>
-              <a:t>last</a:t>
-            </a:r>
-            <a:endParaRPr sz="1800">
-              <a:solidFill>
-                <a:schemeClr val="dk1"/>
-              </a:solidFill>
-              <a:latin typeface="Raleway"/>
-              <a:ea typeface="Raleway"/>
-              <a:cs typeface="Raleway"/>
-              <a:sym typeface="Raleway"/>
-            </a:endParaRPr>
-          </a:p>
-        </p:txBody>
-      </p:sp>
-      <p:sp>
-        <p:nvSpPr>
-          <p:cNvPr id="215" name="Google Shape;215;p28"/>
-          <p:cNvSpPr/>
-          <p:nvPr/>
-        </p:nvSpPr>
-        <p:spPr>
-          <a:xfrm>
-            <a:off x="3249264" y="1915538"/>
-            <a:ext cx="2676000" cy="1312500"/>
-          </a:xfrm>
-          <a:prstGeom prst="rightArrowCallout">
-            <a:avLst>
-              <a:gd name="adj1" fmla="val 12817"/>
-              <a:gd name="adj2" fmla="val 14101"/>
-              <a:gd name="adj3" fmla="val 18037"/>
-              <a:gd name="adj4" fmla="val 78813"/>
-            </a:avLst>
-          </a:prstGeom>
-          <a:solidFill>
-            <a:srgbClr val="FFFFFF"/>
-          </a:solidFill>
-          <a:ln w="19050" cap="flat" cmpd="sng">
-            <a:solidFill>
-              <a:schemeClr val="dk1"/>
-            </a:solidFill>
-            <a:prstDash val="solid"/>
-            <a:round/>
-            <a:headEnd type="none" w="sm" len="sm"/>
-            <a:tailEnd type="none" w="sm" len="sm"/>
-          </a:ln>
-        </p:spPr>
-        <p:txBody>
-          <a:bodyPr spcFirstLastPara="1" wrap="square" lIns="91425" tIns="91425" rIns="91425" bIns="91425" anchor="ctr" anchorCtr="0">
-            <a:noAutofit/>
-          </a:bodyPr>
-          <a:lstStyle/>
-          <a:p>
-            <a:pPr marL="0" lvl="0" indent="0" algn="ctr" rtl="0">
-              <a:spcBef>
-                <a:spcPts val="0"/>
-              </a:spcBef>
-              <a:spcAft>
-                <a:spcPts val="0"/>
-              </a:spcAft>
-              <a:buNone/>
-            </a:pPr>
-            <a:r>
-              <a:rPr lang="en" sz="1800">
-                <a:solidFill>
-                  <a:schemeClr val="dk1"/>
-                </a:solidFill>
-                <a:latin typeface="Raleway"/>
-                <a:ea typeface="Raleway"/>
-                <a:cs typeface="Raleway"/>
-                <a:sym typeface="Raleway"/>
-              </a:rPr>
-              <a:t>second</a:t>
-            </a:r>
-            <a:endParaRPr sz="1800">
-              <a:solidFill>
-                <a:schemeClr val="dk1"/>
-              </a:solidFill>
-              <a:latin typeface="Raleway"/>
-              <a:ea typeface="Raleway"/>
-              <a:cs typeface="Raleway"/>
-              <a:sym typeface="Raleway"/>
-            </a:endParaRPr>
-          </a:p>
-        </p:txBody>
-      </p:sp>
-      <p:sp>
-        <p:nvSpPr>
-          <p:cNvPr id="216" name="Google Shape;216;p28"/>
-          <p:cNvSpPr txBox="1">
-            <a:spLocks noGrp="1"/>
-          </p:cNvSpPr>
-          <p:nvPr>
-            <p:ph type="title" idx="4294967295"/>
-          </p:nvPr>
-        </p:nvSpPr>
-        <p:spPr>
-          <a:xfrm>
-            <a:off x="1810300" y="556800"/>
-            <a:ext cx="5523600" cy="477900"/>
-          </a:xfrm>
-          <a:prstGeom prst="rect">
-            <a:avLst/>
-          </a:prstGeom>
-        </p:spPr>
-        <p:txBody>
-          <a:bodyPr spcFirstLastPara="1" wrap="square" lIns="91425" tIns="91425" rIns="91425" bIns="91425" anchor="ctr" anchorCtr="0">
-            <a:noAutofit/>
-          </a:bodyPr>
-          <a:lstStyle/>
-          <a:p>
-            <a:pPr marL="0" lvl="0" indent="0" algn="ctr" rtl="0">
-              <a:spcBef>
-                <a:spcPts val="0"/>
-              </a:spcBef>
-              <a:spcAft>
-                <a:spcPts val="0"/>
-              </a:spcAft>
-              <a:buNone/>
-            </a:pPr>
-            <a:r>
-              <a:rPr lang="en"/>
-              <a:t>Our process is easy</a:t>
-            </a:r>
-            <a:endParaRPr/>
-          </a:p>
-        </p:txBody>
-      </p:sp>
-      <p:sp>
-        <p:nvSpPr>
-          <p:cNvPr id="217" name="Google Shape;217;p28"/>
-          <p:cNvSpPr txBox="1">
-            <a:spLocks noGrp="1"/>
-          </p:cNvSpPr>
-          <p:nvPr>
-            <p:ph type="title"/>
-          </p:nvPr>
-        </p:nvSpPr>
-        <p:spPr>
-          <a:xfrm>
-            <a:off x="1810200" y="557513"/>
-            <a:ext cx="5523600" cy="477900"/>
-          </a:xfrm>
-          <a:prstGeom prst="rect">
-            <a:avLst/>
-          </a:prstGeom>
-          <a:solidFill>
-            <a:srgbClr val="002060"/>
-          </a:solidFill>
-        </p:spPr>
-        <p:txBody>
-          <a:bodyPr spcFirstLastPara="1" wrap="square" lIns="91425" tIns="91425" rIns="91425" bIns="91425" anchor="ctr" anchorCtr="0">
-            <a:noAutofit/>
-          </a:bodyPr>
-          <a:lstStyle/>
-          <a:p>
-            <a:pPr marL="0" lvl="0" indent="0" algn="ctr" rtl="0">
-              <a:spcBef>
-                <a:spcPts val="0"/>
-              </a:spcBef>
-              <a:spcAft>
-                <a:spcPts val="0"/>
-              </a:spcAft>
-              <a:buNone/>
-            </a:pPr>
-            <a:r>
-              <a:rPr lang="en" dirty="0"/>
-              <a:t>High Level Design - HLD</a:t>
-            </a:r>
-            <a:endParaRPr dirty="0"/>
-          </a:p>
-        </p:txBody>
-      </p:sp>
-      <p:sp>
-        <p:nvSpPr>
-          <p:cNvPr id="218" name="Google Shape;218;p28"/>
-          <p:cNvSpPr/>
-          <p:nvPr/>
-        </p:nvSpPr>
-        <p:spPr>
-          <a:xfrm>
-            <a:off x="725542" y="1915538"/>
-            <a:ext cx="2676000" cy="1312500"/>
-          </a:xfrm>
-          <a:prstGeom prst="rightArrowCallout">
-            <a:avLst>
-              <a:gd name="adj1" fmla="val 12817"/>
-              <a:gd name="adj2" fmla="val 14101"/>
-              <a:gd name="adj3" fmla="val 18037"/>
-              <a:gd name="adj4" fmla="val 78813"/>
-            </a:avLst>
-          </a:prstGeom>
-          <a:solidFill>
-            <a:srgbClr val="FFFFFF"/>
-          </a:solidFill>
-          <a:ln w="9525" cap="flat" cmpd="sng">
-            <a:solidFill>
-              <a:schemeClr val="dk1"/>
-            </a:solidFill>
-            <a:prstDash val="solid"/>
-            <a:round/>
-            <a:headEnd type="none" w="sm" len="sm"/>
-            <a:tailEnd type="none" w="sm" len="sm"/>
-          </a:ln>
-        </p:spPr>
-        <p:txBody>
-          <a:bodyPr spcFirstLastPara="1" wrap="square" lIns="91425" tIns="91425" rIns="91425" bIns="91425" anchor="ctr" anchorCtr="0">
-            <a:noAutofit/>
-          </a:bodyPr>
-          <a:lstStyle/>
-          <a:p>
-            <a:pPr marL="0" lvl="0" indent="0" algn="ctr" rtl="0">
-              <a:spcBef>
-                <a:spcPts val="0"/>
-              </a:spcBef>
-              <a:spcAft>
-                <a:spcPts val="0"/>
-              </a:spcAft>
-              <a:buNone/>
-            </a:pPr>
-            <a:r>
-              <a:rPr lang="en" sz="1800">
-                <a:solidFill>
-                  <a:schemeClr val="dk1"/>
-                </a:solidFill>
-                <a:latin typeface="Raleway"/>
-                <a:ea typeface="Raleway"/>
-                <a:cs typeface="Raleway"/>
-                <a:sym typeface="Raleway"/>
-              </a:rPr>
-              <a:t>first</a:t>
-            </a:r>
-            <a:endParaRPr sz="1800">
-              <a:solidFill>
-                <a:schemeClr val="dk1"/>
-              </a:solidFill>
-              <a:latin typeface="Raleway"/>
-              <a:ea typeface="Raleway"/>
-              <a:cs typeface="Raleway"/>
-              <a:sym typeface="Raleway"/>
-            </a:endParaRPr>
-          </a:p>
-        </p:txBody>
-      </p:sp>
-      <p:sp>
-        <p:nvSpPr>
-          <p:cNvPr id="219" name="Google Shape;219;p28"/>
-          <p:cNvSpPr txBox="1">
-            <a:spLocks noGrp="1"/>
-          </p:cNvSpPr>
-          <p:nvPr>
-            <p:ph type="sldNum" idx="12"/>
-          </p:nvPr>
-        </p:nvSpPr>
-        <p:spPr>
-          <a:xfrm>
-            <a:off x="4297650" y="4764749"/>
-            <a:ext cx="548700" cy="302700"/>
-          </a:xfrm>
-          <a:prstGeom prst="rect">
-            <a:avLst/>
-          </a:prstGeom>
-        </p:spPr>
-        <p:txBody>
-          <a:bodyPr spcFirstLastPara="1" wrap="square" lIns="91425" tIns="91425" rIns="91425" bIns="91425" anchor="t" anchorCtr="0">
-            <a:noAutofit/>
-          </a:bodyPr>
-          <a:lstStyle/>
-          <a:p>
-            <a:pPr marL="0" lvl="0" indent="0" algn="ctr" rtl="0">
-              <a:spcBef>
-                <a:spcPts val="0"/>
-              </a:spcBef>
-              <a:spcAft>
-                <a:spcPts val="0"/>
-              </a:spcAft>
-              <a:buNone/>
-            </a:pPr>
-            <a:fld id="{00000000-1234-1234-1234-123412341234}" type="slidenum">
-              <a:rPr lang="en"/>
-              <a:t>11</a:t>
-            </a:fld>
-            <a:endParaRPr/>
-          </a:p>
-        </p:txBody>
-      </p:sp>
-    </p:spTree>
-    <p:extLst>
-      <p:ext uri="{BB962C8B-B14F-4D97-AF65-F5344CB8AC3E}">
-        <p14:creationId xmlns:p14="http://schemas.microsoft.com/office/powerpoint/2010/main" val="3043017498"/>
-      </p:ext>
-    </p:extLst>
   </p:cSld>
   <p:clrMapOvr>
     <a:masterClrMapping/>
@@ -7423,7 +7516,7 @@
   <p:cSld>
     <p:spTree>
       <p:nvGrpSpPr>
-        <p:cNvPr id="1" name="Shape 213"/>
+        <p:cNvPr id="1" name="Shape 202"/>
         <p:cNvGrpSpPr/>
         <p:nvPr/>
       </p:nvGrpSpPr>
@@ -7437,35 +7530,23 @@
       </p:grpSpPr>
       <p:sp>
         <p:nvSpPr>
-          <p:cNvPr id="214" name="Google Shape;214;p28"/>
-          <p:cNvSpPr/>
-          <p:nvPr/>
-        </p:nvSpPr>
-        <p:spPr>
-          <a:xfrm>
-            <a:off x="5742457" y="1915538"/>
-            <a:ext cx="2676000" cy="1312500"/>
-          </a:xfrm>
-          <a:prstGeom prst="rightArrowCallout">
-            <a:avLst>
-              <a:gd name="adj1" fmla="val 12817"/>
-              <a:gd name="adj2" fmla="val 14101"/>
-              <a:gd name="adj3" fmla="val 18037"/>
-              <a:gd name="adj4" fmla="val 78813"/>
-            </a:avLst>
-          </a:prstGeom>
-          <a:solidFill>
-            <a:srgbClr val="FFFFFF"/>
-          </a:solidFill>
-          <a:ln w="38100" cap="flat" cmpd="sng">
-            <a:solidFill>
-              <a:schemeClr val="dk1"/>
-            </a:solidFill>
-            <a:prstDash val="solid"/>
-            <a:round/>
-            <a:headEnd type="none" w="sm" len="sm"/>
-            <a:tailEnd type="none" w="sm" len="sm"/>
-          </a:ln>
+          <p:cNvPr id="203" name="Google Shape;203;p27"/>
+          <p:cNvSpPr txBox="1">
+            <a:spLocks noGrp="1"/>
+          </p:cNvSpPr>
+          <p:nvPr>
+            <p:ph type="ctrTitle" idx="4294967295"/>
+          </p:nvPr>
+        </p:nvSpPr>
+        <p:spPr>
+          <a:xfrm>
+            <a:off x="1080600" y="590850"/>
+            <a:ext cx="6982800" cy="894900"/>
+          </a:xfrm>
+          <a:prstGeom prst="rect">
+            <a:avLst/>
+          </a:prstGeom>
+          <a:noFill/>
         </p:spPr>
         <p:txBody>
           <a:bodyPr spcFirstLastPara="1" wrap="square" lIns="91425" tIns="91425" rIns="91425" bIns="91425" anchor="ctr" anchorCtr="0">
@@ -7483,60 +7564,90 @@
               <a:buNone/>
             </a:pPr>
             <a:r>
-              <a:rPr lang="en" sz="1800">
+              <a:rPr lang="en" sz="4800" dirty="0">
                 <a:solidFill>
-                  <a:schemeClr val="dk1"/>
+                  <a:srgbClr val="002060"/>
                 </a:solidFill>
-                <a:latin typeface="Raleway"/>
-                <a:ea typeface="Raleway"/>
-                <a:cs typeface="Raleway"/>
-                <a:sym typeface="Raleway"/>
               </a:rPr>
-              <a:t>last</a:t>
+              <a:t>R$ 559.049,12 </a:t>
             </a:r>
-            <a:endParaRPr sz="1800">
+            <a:endParaRPr sz="4800" dirty="0">
               <a:solidFill>
-                <a:schemeClr val="dk1"/>
+                <a:srgbClr val="002060"/>
               </a:solidFill>
-              <a:latin typeface="Raleway"/>
-              <a:ea typeface="Raleway"/>
-              <a:cs typeface="Raleway"/>
-              <a:sym typeface="Raleway"/>
             </a:endParaRPr>
           </a:p>
         </p:txBody>
       </p:sp>
       <p:sp>
         <p:nvSpPr>
-          <p:cNvPr id="215" name="Google Shape;215;p28"/>
-          <p:cNvSpPr/>
-          <p:nvPr/>
-        </p:nvSpPr>
-        <p:spPr>
-          <a:xfrm>
-            <a:off x="3249264" y="1915538"/>
-            <a:ext cx="2676000" cy="1312500"/>
-          </a:xfrm>
-          <a:prstGeom prst="rightArrowCallout">
-            <a:avLst>
-              <a:gd name="adj1" fmla="val 12817"/>
-              <a:gd name="adj2" fmla="val 14101"/>
-              <a:gd name="adj3" fmla="val 18037"/>
-              <a:gd name="adj4" fmla="val 78813"/>
-            </a:avLst>
-          </a:prstGeom>
-          <a:solidFill>
-            <a:srgbClr val="FFFFFF"/>
-          </a:solidFill>
-          <a:ln w="19050" cap="flat" cmpd="sng">
-            <a:solidFill>
-              <a:schemeClr val="dk1"/>
-            </a:solidFill>
-            <a:prstDash val="solid"/>
-            <a:round/>
-            <a:headEnd type="none" w="sm" len="sm"/>
-            <a:tailEnd type="none" w="sm" len="sm"/>
-          </a:ln>
+          <p:cNvPr id="204" name="Google Shape;204;p27"/>
+          <p:cNvSpPr txBox="1">
+            <a:spLocks noGrp="1"/>
+          </p:cNvSpPr>
+          <p:nvPr>
+            <p:ph type="subTitle" idx="4294967295"/>
+          </p:nvPr>
+        </p:nvSpPr>
+        <p:spPr>
+          <a:xfrm>
+            <a:off x="1080600" y="1277960"/>
+            <a:ext cx="6982800" cy="463200"/>
+          </a:xfrm>
+          <a:prstGeom prst="rect">
+            <a:avLst/>
+          </a:prstGeom>
+        </p:spPr>
+        <p:txBody>
+          <a:bodyPr spcFirstLastPara="1" wrap="square" lIns="91425" tIns="91425" rIns="91425" bIns="91425" anchor="t" anchorCtr="0">
+            <a:noAutofit/>
+          </a:bodyPr>
+          <a:lstStyle/>
+          <a:p>
+            <a:pPr marL="0" lvl="0" indent="0" algn="ctr" rtl="0">
+              <a:spcBef>
+                <a:spcPts val="600"/>
+              </a:spcBef>
+              <a:spcAft>
+                <a:spcPts val="0"/>
+              </a:spcAft>
+              <a:buNone/>
+            </a:pPr>
+            <a:r>
+              <a:rPr lang="pt-BR" sz="1800" dirty="0">
+                <a:solidFill>
+                  <a:srgbClr val="FF3300"/>
+                </a:solidFill>
+              </a:rPr>
+              <a:t>Em movimentações financeiras (10 minutos)</a:t>
+            </a:r>
+            <a:endParaRPr sz="1800" dirty="0">
+              <a:solidFill>
+                <a:srgbClr val="FF3300"/>
+              </a:solidFill>
+            </a:endParaRPr>
+          </a:p>
+        </p:txBody>
+      </p:sp>
+      <p:sp>
+        <p:nvSpPr>
+          <p:cNvPr id="205" name="Google Shape;205;p27"/>
+          <p:cNvSpPr txBox="1">
+            <a:spLocks noGrp="1"/>
+          </p:cNvSpPr>
+          <p:nvPr>
+            <p:ph type="ctrTitle" idx="4294967295"/>
+          </p:nvPr>
+        </p:nvSpPr>
+        <p:spPr>
+          <a:xfrm>
+            <a:off x="1080600" y="3219752"/>
+            <a:ext cx="6982800" cy="894900"/>
+          </a:xfrm>
+          <a:prstGeom prst="rect">
+            <a:avLst/>
+          </a:prstGeom>
+          <a:noFill/>
         </p:spPr>
         <p:txBody>
           <a:bodyPr spcFirstLastPara="1" wrap="square" lIns="91425" tIns="91425" rIns="91425" bIns="91425" anchor="ctr" anchorCtr="0">
@@ -7554,47 +7665,90 @@
               <a:buNone/>
             </a:pPr>
             <a:r>
-              <a:rPr lang="en" sz="1800">
+              <a:rPr lang="en" sz="4800" dirty="0">
                 <a:solidFill>
-                  <a:schemeClr val="dk1"/>
+                  <a:srgbClr val="002060"/>
                 </a:solidFill>
-                <a:latin typeface="Raleway"/>
-                <a:ea typeface="Raleway"/>
-                <a:cs typeface="Raleway"/>
-                <a:sym typeface="Raleway"/>
               </a:rPr>
-              <a:t>second</a:t>
+              <a:t>2,18%</a:t>
             </a:r>
-            <a:endParaRPr sz="1800">
+            <a:endParaRPr sz="4800" dirty="0">
               <a:solidFill>
-                <a:schemeClr val="dk1"/>
+                <a:srgbClr val="002060"/>
               </a:solidFill>
-              <a:latin typeface="Raleway"/>
-              <a:ea typeface="Raleway"/>
-              <a:cs typeface="Raleway"/>
-              <a:sym typeface="Raleway"/>
             </a:endParaRPr>
           </a:p>
         </p:txBody>
       </p:sp>
       <p:sp>
         <p:nvSpPr>
-          <p:cNvPr id="216" name="Google Shape;216;p28"/>
+          <p:cNvPr id="206" name="Google Shape;206;p27"/>
           <p:cNvSpPr txBox="1">
             <a:spLocks noGrp="1"/>
           </p:cNvSpPr>
           <p:nvPr>
-            <p:ph type="title" idx="4294967295"/>
+            <p:ph type="subTitle" idx="4294967295"/>
           </p:nvPr>
         </p:nvSpPr>
         <p:spPr>
           <a:xfrm>
-            <a:off x="1810300" y="556800"/>
-            <a:ext cx="5523600" cy="477900"/>
+            <a:off x="1080600" y="3906862"/>
+            <a:ext cx="6982800" cy="463200"/>
           </a:xfrm>
           <a:prstGeom prst="rect">
             <a:avLst/>
           </a:prstGeom>
+        </p:spPr>
+        <p:txBody>
+          <a:bodyPr spcFirstLastPara="1" wrap="square" lIns="91425" tIns="91425" rIns="91425" bIns="91425" anchor="t" anchorCtr="0">
+            <a:noAutofit/>
+          </a:bodyPr>
+          <a:lstStyle/>
+          <a:p>
+            <a:pPr marL="0" lvl="0" indent="0" algn="ctr" rtl="0">
+              <a:spcBef>
+                <a:spcPts val="600"/>
+              </a:spcBef>
+              <a:spcAft>
+                <a:spcPts val="0"/>
+              </a:spcAft>
+              <a:buNone/>
+            </a:pPr>
+            <a:r>
+              <a:rPr lang="pt-BR" sz="1800" dirty="0">
+                <a:solidFill>
+                  <a:srgbClr val="FF3300"/>
+                </a:solidFill>
+              </a:rPr>
+              <a:t>Oscilação (10 minutos)</a:t>
+            </a:r>
+            <a:endParaRPr sz="1800" dirty="0">
+              <a:solidFill>
+                <a:srgbClr val="FF3300"/>
+              </a:solidFill>
+            </a:endParaRPr>
+          </a:p>
+        </p:txBody>
+      </p:sp>
+      <p:sp>
+        <p:nvSpPr>
+          <p:cNvPr id="207" name="Google Shape;207;p27"/>
+          <p:cNvSpPr txBox="1">
+            <a:spLocks noGrp="1"/>
+          </p:cNvSpPr>
+          <p:nvPr>
+            <p:ph type="ctrTitle" idx="4294967295"/>
+          </p:nvPr>
+        </p:nvSpPr>
+        <p:spPr>
+          <a:xfrm>
+            <a:off x="1080600" y="1905301"/>
+            <a:ext cx="6982800" cy="894900"/>
+          </a:xfrm>
+          <a:prstGeom prst="rect">
+            <a:avLst/>
+          </a:prstGeom>
+          <a:noFill/>
         </p:spPr>
         <p:txBody>
           <a:bodyPr spcFirstLastPara="1" wrap="square" lIns="91425" tIns="91425" rIns="91425" bIns="91425" anchor="ctr" anchorCtr="0">
@@ -7612,44 +7766,49 @@
               <a:buNone/>
             </a:pPr>
             <a:r>
-              <a:rPr lang="en"/>
-              <a:t>Our process is easy</a:t>
+              <a:rPr lang="en" sz="4800" dirty="0">
+                <a:solidFill>
+                  <a:srgbClr val="002060"/>
+                </a:solidFill>
+              </a:rPr>
+              <a:t>19,665</a:t>
             </a:r>
-            <a:endParaRPr/>
+            <a:endParaRPr sz="4800" dirty="0">
+              <a:solidFill>
+                <a:srgbClr val="002060"/>
+              </a:solidFill>
+            </a:endParaRPr>
           </a:p>
         </p:txBody>
       </p:sp>
       <p:sp>
         <p:nvSpPr>
-          <p:cNvPr id="217" name="Google Shape;217;p28"/>
+          <p:cNvPr id="208" name="Google Shape;208;p27"/>
           <p:cNvSpPr txBox="1">
             <a:spLocks noGrp="1"/>
           </p:cNvSpPr>
           <p:nvPr>
-            <p:ph type="title"/>
+            <p:ph type="subTitle" idx="4294967295"/>
           </p:nvPr>
         </p:nvSpPr>
         <p:spPr>
           <a:xfrm>
-            <a:off x="1810200" y="557513"/>
-            <a:ext cx="5523600" cy="477900"/>
+            <a:off x="1080600" y="2592411"/>
+            <a:ext cx="6982800" cy="463200"/>
           </a:xfrm>
           <a:prstGeom prst="rect">
             <a:avLst/>
           </a:prstGeom>
-          <a:solidFill>
-            <a:srgbClr val="002060"/>
-          </a:solidFill>
         </p:spPr>
         <p:txBody>
-          <a:bodyPr spcFirstLastPara="1" wrap="square" lIns="91425" tIns="91425" rIns="91425" bIns="91425" anchor="ctr" anchorCtr="0">
+          <a:bodyPr spcFirstLastPara="1" wrap="square" lIns="91425" tIns="91425" rIns="91425" bIns="91425" anchor="t" anchorCtr="0">
             <a:noAutofit/>
           </a:bodyPr>
           <a:lstStyle/>
           <a:p>
             <a:pPr marL="0" lvl="0" indent="0" algn="ctr" rtl="0">
               <a:spcBef>
-                <a:spcPts val="0"/>
+                <a:spcPts val="600"/>
               </a:spcBef>
               <a:spcAft>
                 <a:spcPts val="0"/>
@@ -7657,87 +7816,24 @@
               <a:buNone/>
             </a:pPr>
             <a:r>
-              <a:rPr lang="en" dirty="0"/>
-              <a:t>Low Level Desing - LLD</a:t>
+              <a:rPr lang="pt-BR" sz="1800" dirty="0">
+                <a:solidFill>
+                  <a:srgbClr val="FF3300"/>
+                </a:solidFill>
+              </a:rPr>
+              <a:t>Quantidade de ativos movimentados (10 minutos)</a:t>
             </a:r>
-            <a:endParaRPr dirty="0"/>
+            <a:endParaRPr sz="1800" dirty="0">
+              <a:solidFill>
+                <a:srgbClr val="FF3300"/>
+              </a:solidFill>
+            </a:endParaRPr>
           </a:p>
         </p:txBody>
       </p:sp>
       <p:sp>
         <p:nvSpPr>
-          <p:cNvPr id="218" name="Google Shape;218;p28"/>
-          <p:cNvSpPr/>
-          <p:nvPr/>
-        </p:nvSpPr>
-        <p:spPr>
-          <a:xfrm>
-            <a:off x="725542" y="1915538"/>
-            <a:ext cx="2676000" cy="1312500"/>
-          </a:xfrm>
-          <a:prstGeom prst="rightArrowCallout">
-            <a:avLst>
-              <a:gd name="adj1" fmla="val 12817"/>
-              <a:gd name="adj2" fmla="val 14101"/>
-              <a:gd name="adj3" fmla="val 18037"/>
-              <a:gd name="adj4" fmla="val 78813"/>
-            </a:avLst>
-          </a:prstGeom>
-          <a:solidFill>
-            <a:srgbClr val="FFFFFF"/>
-          </a:solidFill>
-          <a:ln w="9525" cap="flat" cmpd="sng">
-            <a:solidFill>
-              <a:schemeClr val="dk1"/>
-            </a:solidFill>
-            <a:prstDash val="solid"/>
-            <a:round/>
-            <a:headEnd type="none" w="sm" len="sm"/>
-            <a:tailEnd type="none" w="sm" len="sm"/>
-          </a:ln>
-        </p:spPr>
-        <p:txBody>
-          <a:bodyPr spcFirstLastPara="1" wrap="square" lIns="91425" tIns="91425" rIns="91425" bIns="91425" anchor="ctr" anchorCtr="0">
-            <a:noAutofit/>
-          </a:bodyPr>
-          <a:lstStyle/>
-          <a:p>
-            <a:pPr marL="0" lvl="0" indent="0" algn="ctr" rtl="0">
-              <a:spcBef>
-                <a:spcPts val="0"/>
-              </a:spcBef>
-              <a:spcAft>
-                <a:spcPts val="0"/>
-              </a:spcAft>
-              <a:buNone/>
-            </a:pPr>
-            <a:r>
-              <a:rPr lang="en" sz="1800">
-                <a:solidFill>
-                  <a:schemeClr val="dk1"/>
-                </a:solidFill>
-                <a:latin typeface="Raleway"/>
-                <a:ea typeface="Raleway"/>
-                <a:cs typeface="Raleway"/>
-                <a:sym typeface="Raleway"/>
-              </a:rPr>
-              <a:t>first</a:t>
-            </a:r>
-            <a:endParaRPr sz="1800">
-              <a:solidFill>
-                <a:schemeClr val="dk1"/>
-              </a:solidFill>
-              <a:latin typeface="Raleway"/>
-              <a:ea typeface="Raleway"/>
-              <a:cs typeface="Raleway"/>
-              <a:sym typeface="Raleway"/>
-            </a:endParaRPr>
-          </a:p>
-        </p:txBody>
-      </p:sp>
-      <p:sp>
-        <p:nvSpPr>
-          <p:cNvPr id="219" name="Google Shape;219;p28"/>
+          <p:cNvPr id="209" name="Google Shape;209;p27"/>
           <p:cNvSpPr txBox="1">
             <a:spLocks noGrp="1"/>
           </p:cNvSpPr>
@@ -7778,11 +7874,6 @@
         </p:txBody>
       </p:sp>
     </p:spTree>
-    <p:extLst>
-      <p:ext uri="{BB962C8B-B14F-4D97-AF65-F5344CB8AC3E}">
-        <p14:creationId xmlns:p14="http://schemas.microsoft.com/office/powerpoint/2010/main" val="3673544867"/>
-      </p:ext>
-    </p:extLst>
   </p:cSld>
   <p:clrMapOvr>
     <a:masterClrMapping/>
@@ -10360,7 +10451,7 @@
   <p:cSld>
     <p:spTree>
       <p:nvGrpSpPr>
-        <p:cNvPr id="1" name="Shape 319"/>
+        <p:cNvPr id="1" name="Shape 213"/>
         <p:cNvGrpSpPr/>
         <p:nvPr/>
       </p:nvGrpSpPr>
@@ -10374,23 +10465,22 @@
       </p:grpSpPr>
       <p:sp>
         <p:nvSpPr>
-          <p:cNvPr id="320" name="Google Shape;320;p34"/>
+          <p:cNvPr id="216" name="Google Shape;216;p28"/>
           <p:cNvSpPr txBox="1">
             <a:spLocks noGrp="1"/>
           </p:cNvSpPr>
           <p:nvPr>
-            <p:ph type="ctrTitle" idx="4294967295"/>
+            <p:ph type="title" idx="4294967295"/>
           </p:nvPr>
         </p:nvSpPr>
         <p:spPr>
           <a:xfrm>
-            <a:off x="685800" y="857249"/>
-            <a:ext cx="7772400" cy="742800"/>
+            <a:off x="1810300" y="556800"/>
+            <a:ext cx="5523600" cy="477900"/>
           </a:xfrm>
           <a:prstGeom prst="rect">
             <a:avLst/>
           </a:prstGeom>
-          <a:noFill/>
         </p:spPr>
         <p:txBody>
           <a:bodyPr spcFirstLastPara="1" wrap="square" lIns="91425" tIns="91425" rIns="91425" bIns="91425" anchor="ctr" anchorCtr="0">
@@ -10407,42 +10497,45 @@
               </a:spcAft>
               <a:buNone/>
             </a:pPr>
-            <a:endParaRPr sz="2400" dirty="0">
-              <a:solidFill>
-                <a:schemeClr val="accent1"/>
-              </a:solidFill>
-            </a:endParaRPr>
+            <a:r>
+              <a:rPr lang="en"/>
+              <a:t>Our process is easy</a:t>
+            </a:r>
+            <a:endParaRPr/>
           </a:p>
         </p:txBody>
       </p:sp>
       <p:sp>
         <p:nvSpPr>
-          <p:cNvPr id="321" name="Google Shape;321;p34"/>
+          <p:cNvPr id="217" name="Google Shape;217;p28"/>
           <p:cNvSpPr txBox="1">
             <a:spLocks noGrp="1"/>
           </p:cNvSpPr>
           <p:nvPr>
-            <p:ph type="subTitle" idx="4294967295"/>
+            <p:ph type="title"/>
           </p:nvPr>
         </p:nvSpPr>
         <p:spPr>
           <a:xfrm>
-            <a:off x="1143000" y="1468463"/>
-            <a:ext cx="6972300" cy="784800"/>
+            <a:off x="1810200" y="557513"/>
+            <a:ext cx="5523600" cy="477900"/>
           </a:xfrm>
           <a:prstGeom prst="rect">
             <a:avLst/>
           </a:prstGeom>
+          <a:solidFill>
+            <a:srgbClr val="002060"/>
+          </a:solidFill>
         </p:spPr>
         <p:txBody>
-          <a:bodyPr spcFirstLastPara="1" wrap="square" lIns="91425" tIns="91425" rIns="91425" bIns="91425" anchor="t" anchorCtr="0">
+          <a:bodyPr spcFirstLastPara="1" wrap="square" lIns="91425" tIns="91425" rIns="91425" bIns="91425" anchor="ctr" anchorCtr="0">
             <a:noAutofit/>
           </a:bodyPr>
           <a:lstStyle/>
           <a:p>
             <a:pPr marL="0" lvl="0" indent="0" algn="ctr" rtl="0">
               <a:spcBef>
-                <a:spcPts val="600"/>
+                <a:spcPts val="0"/>
               </a:spcBef>
               <a:spcAft>
                 <a:spcPts val="0"/>
@@ -10450,122 +10543,16 @@
               <a:buNone/>
             </a:pPr>
             <a:r>
-              <a:rPr lang="en" sz="3200" b="1" dirty="0">
-                <a:solidFill>
-                  <a:schemeClr val="lt1"/>
-                </a:solidFill>
-              </a:rPr>
-              <a:t>Métricas de dados da plataforma</a:t>
+              <a:rPr lang="en" dirty="0"/>
+              <a:t>High Level Design - HLD</a:t>
             </a:r>
-            <a:endParaRPr sz="3200" b="1" dirty="0">
-              <a:solidFill>
-                <a:schemeClr val="lt1"/>
-              </a:solidFill>
-            </a:endParaRPr>
+            <a:endParaRPr dirty="0"/>
           </a:p>
         </p:txBody>
       </p:sp>
       <p:sp>
         <p:nvSpPr>
-          <p:cNvPr id="322" name="Google Shape;322;p34"/>
-          <p:cNvSpPr txBox="1">
-            <a:spLocks noGrp="1"/>
-          </p:cNvSpPr>
-          <p:nvPr>
-            <p:ph type="body" idx="4294967295"/>
-          </p:nvPr>
-        </p:nvSpPr>
-        <p:spPr>
-          <a:xfrm>
-            <a:off x="1275150" y="2841694"/>
-            <a:ext cx="6593700" cy="1288800"/>
-          </a:xfrm>
-          <a:prstGeom prst="rect">
-            <a:avLst/>
-          </a:prstGeom>
-        </p:spPr>
-        <p:txBody>
-          <a:bodyPr spcFirstLastPara="1" wrap="square" lIns="91425" tIns="91425" rIns="91425" bIns="91425" anchor="t" anchorCtr="0">
-            <a:noAutofit/>
-          </a:bodyPr>
-          <a:lstStyle/>
-          <a:p>
-            <a:pPr marL="0" lvl="0" indent="0" algn="ctr" rtl="0">
-              <a:spcBef>
-                <a:spcPts val="600"/>
-              </a:spcBef>
-              <a:spcAft>
-                <a:spcPts val="0"/>
-              </a:spcAft>
-              <a:buNone/>
-            </a:pPr>
-            <a:r>
-              <a:rPr lang="en" sz="1800" dirty="0">
-                <a:solidFill>
-                  <a:srgbClr val="FFFFFF"/>
-                </a:solidFill>
-              </a:rPr>
-              <a:t>You can find me at:</a:t>
-            </a:r>
-            <a:endParaRPr sz="1800" dirty="0">
-              <a:solidFill>
-                <a:srgbClr val="FFFFFF"/>
-              </a:solidFill>
-            </a:endParaRPr>
-          </a:p>
-          <a:p>
-            <a:pPr marL="0" lvl="0" indent="0" algn="ctr" rtl="0">
-              <a:spcBef>
-                <a:spcPts val="600"/>
-              </a:spcBef>
-              <a:spcAft>
-                <a:spcPts val="0"/>
-              </a:spcAft>
-              <a:buNone/>
-            </a:pPr>
-            <a:r>
-              <a:rPr lang="en" sz="1800" dirty="0">
-                <a:solidFill>
-                  <a:srgbClr val="FFFFFF"/>
-                </a:solidFill>
-              </a:rPr>
-              <a:t>@username</a:t>
-            </a:r>
-            <a:endParaRPr sz="1800" dirty="0">
-              <a:solidFill>
-                <a:srgbClr val="FFFFFF"/>
-              </a:solidFill>
-            </a:endParaRPr>
-          </a:p>
-          <a:p>
-            <a:pPr marL="0" lvl="0" indent="0" algn="ctr" rtl="0">
-              <a:spcBef>
-                <a:spcPts val="600"/>
-              </a:spcBef>
-              <a:spcAft>
-                <a:spcPts val="0"/>
-              </a:spcAft>
-              <a:buNone/>
-            </a:pPr>
-            <a:r>
-              <a:rPr lang="en" sz="1800" dirty="0">
-                <a:solidFill>
-                  <a:srgbClr val="FFFFFF"/>
-                </a:solidFill>
-              </a:rPr>
-              <a:t>user@mail.me</a:t>
-            </a:r>
-            <a:endParaRPr sz="1800" dirty="0">
-              <a:solidFill>
-                <a:srgbClr val="FFFFFF"/>
-              </a:solidFill>
-            </a:endParaRPr>
-          </a:p>
-        </p:txBody>
-      </p:sp>
-      <p:sp>
-        <p:nvSpPr>
-          <p:cNvPr id="323" name="Google Shape;323;p34"/>
+          <p:cNvPr id="219" name="Google Shape;219;p28"/>
           <p:cNvSpPr txBox="1">
             <a:spLocks noGrp="1"/>
           </p:cNvSpPr>
@@ -10605,94 +10592,42 @@
           </a:p>
         </p:txBody>
       </p:sp>
-      <p:grpSp>
-        <p:nvGrpSpPr>
-          <p:cNvPr id="324" name="Google Shape;324;p34"/>
-          <p:cNvGrpSpPr/>
+      <p:pic>
+        <p:nvPicPr>
+          <p:cNvPr id="3" name="Imagem 2">
+            <a:extLst>
+              <a:ext uri="{FF2B5EF4-FFF2-40B4-BE49-F238E27FC236}">
+                <a16:creationId xmlns:a16="http://schemas.microsoft.com/office/drawing/2014/main" id="{96200F83-31D4-4A26-987C-25E99CA97B4D}"/>
+              </a:ext>
+            </a:extLst>
+          </p:cNvPr>
+          <p:cNvPicPr>
+            <a:picLocks noChangeAspect="1"/>
+          </p:cNvPicPr>
           <p:nvPr/>
-        </p:nvGrpSpPr>
-        <p:grpSpPr>
-          <a:xfrm>
-            <a:off x="3927600" y="2539800"/>
-            <a:ext cx="1288800" cy="63900"/>
-            <a:chOff x="3927600" y="2539800"/>
-            <a:chExt cx="1288800" cy="63900"/>
-          </a:xfrm>
-        </p:grpSpPr>
-        <p:cxnSp>
-          <p:nvCxnSpPr>
-            <p:cNvPr id="325" name="Google Shape;325;p34"/>
-            <p:cNvCxnSpPr/>
-            <p:nvPr/>
-          </p:nvCxnSpPr>
-          <p:spPr>
-            <a:xfrm>
-              <a:off x="3927600" y="2571750"/>
-              <a:ext cx="1288800" cy="0"/>
-            </a:xfrm>
-            <a:prstGeom prst="straightConnector1">
-              <a:avLst/>
-            </a:prstGeom>
-            <a:noFill/>
-            <a:ln w="9525" cap="flat" cmpd="sng">
-              <a:solidFill>
-                <a:schemeClr val="accent3"/>
-              </a:solidFill>
-              <a:prstDash val="solid"/>
-              <a:round/>
-              <a:headEnd type="none" w="med" len="med"/>
-              <a:tailEnd type="none" w="med" len="med"/>
-            </a:ln>
-          </p:spPr>
-        </p:cxnSp>
-        <p:sp>
-          <p:nvSpPr>
-            <p:cNvPr id="326" name="Google Shape;326;p34"/>
-            <p:cNvSpPr/>
-            <p:nvPr/>
-          </p:nvSpPr>
-          <p:spPr>
-            <a:xfrm flipH="1">
-              <a:off x="4538275" y="2539800"/>
-              <a:ext cx="67500" cy="63900"/>
-            </a:xfrm>
-            <a:prstGeom prst="diamond">
-              <a:avLst/>
-            </a:prstGeom>
-            <a:solidFill>
-              <a:srgbClr val="222222"/>
-            </a:solidFill>
-            <a:ln w="19050" cap="flat" cmpd="sng">
-              <a:solidFill>
-                <a:schemeClr val="accent3"/>
-              </a:solidFill>
-              <a:prstDash val="solid"/>
-              <a:round/>
-              <a:headEnd type="none" w="sm" len="sm"/>
-              <a:tailEnd type="none" w="sm" len="sm"/>
-            </a:ln>
-          </p:spPr>
-          <p:txBody>
-            <a:bodyPr spcFirstLastPara="1" wrap="square" lIns="91425" tIns="91425" rIns="91425" bIns="91425" anchor="ctr" anchorCtr="0">
-              <a:noAutofit/>
-            </a:bodyPr>
-            <a:lstStyle/>
-            <a:p>
-              <a:pPr marL="0" lvl="0" indent="0" algn="l" rtl="0">
-                <a:spcBef>
-                  <a:spcPts val="0"/>
-                </a:spcBef>
-                <a:spcAft>
-                  <a:spcPts val="0"/>
-                </a:spcAft>
-                <a:buNone/>
-              </a:pPr>
-              <a:endParaRPr/>
-            </a:p>
-          </p:txBody>
-        </p:sp>
-      </p:grpSp>
+        </p:nvPicPr>
+        <p:blipFill>
+          <a:blip r:embed="rId3"/>
+          <a:stretch>
+            <a:fillRect/>
+          </a:stretch>
+        </p:blipFill>
+        <p:spPr>
+          <a:xfrm>
+            <a:off x="1519237" y="1662777"/>
+            <a:ext cx="6105525" cy="2867025"/>
+          </a:xfrm>
+          <a:prstGeom prst="rect">
+            <a:avLst/>
+          </a:prstGeom>
+        </p:spPr>
+      </p:pic>
     </p:spTree>
+    <p:extLst>
+      <p:ext uri="{BB962C8B-B14F-4D97-AF65-F5344CB8AC3E}">
+        <p14:creationId xmlns:p14="http://schemas.microsoft.com/office/powerpoint/2010/main" val="3043017498"/>
+      </p:ext>
+    </p:extLst>
   </p:cSld>
   <p:clrMapOvr>
     <a:masterClrMapping/>
@@ -10705,7 +10640,7 @@
   <p:cSld>
     <p:spTree>
       <p:nvGrpSpPr>
-        <p:cNvPr id="1" name="Shape 259"/>
+        <p:cNvPr id="1" name="Shape 213"/>
         <p:cNvGrpSpPr/>
         <p:nvPr/>
       </p:nvGrpSpPr>
@@ -10719,18 +10654,18 @@
       </p:grpSpPr>
       <p:sp>
         <p:nvSpPr>
-          <p:cNvPr id="260" name="Google Shape;260;p30"/>
+          <p:cNvPr id="216" name="Google Shape;216;p28"/>
           <p:cNvSpPr txBox="1">
             <a:spLocks noGrp="1"/>
           </p:cNvSpPr>
           <p:nvPr>
-            <p:ph type="body" idx="1"/>
+            <p:ph type="title" idx="4294967295"/>
           </p:nvPr>
         </p:nvSpPr>
         <p:spPr>
           <a:xfrm>
-            <a:off x="457200" y="4346775"/>
-            <a:ext cx="8229600" cy="554400"/>
+            <a:off x="1810300" y="556800"/>
+            <a:ext cx="5523600" cy="477900"/>
           </a:xfrm>
           <a:prstGeom prst="rect">
             <a:avLst/>
@@ -10744,7 +10679,52 @@
           <a:p>
             <a:pPr marL="0" lvl="0" indent="0" algn="ctr" rtl="0">
               <a:spcBef>
-                <a:spcPts val="360"/>
+                <a:spcPts val="0"/>
+              </a:spcBef>
+              <a:spcAft>
+                <a:spcPts val="0"/>
+              </a:spcAft>
+              <a:buNone/>
+            </a:pPr>
+            <a:r>
+              <a:rPr lang="en"/>
+              <a:t>Our process is easy</a:t>
+            </a:r>
+            <a:endParaRPr/>
+          </a:p>
+        </p:txBody>
+      </p:sp>
+      <p:sp>
+        <p:nvSpPr>
+          <p:cNvPr id="217" name="Google Shape;217;p28"/>
+          <p:cNvSpPr txBox="1">
+            <a:spLocks noGrp="1"/>
+          </p:cNvSpPr>
+          <p:nvPr>
+            <p:ph type="title"/>
+          </p:nvPr>
+        </p:nvSpPr>
+        <p:spPr>
+          <a:xfrm>
+            <a:off x="1810200" y="557513"/>
+            <a:ext cx="5523600" cy="477900"/>
+          </a:xfrm>
+          <a:prstGeom prst="rect">
+            <a:avLst/>
+          </a:prstGeom>
+          <a:solidFill>
+            <a:srgbClr val="002060"/>
+          </a:solidFill>
+        </p:spPr>
+        <p:txBody>
+          <a:bodyPr spcFirstLastPara="1" wrap="square" lIns="91425" tIns="91425" rIns="91425" bIns="91425" anchor="ctr" anchorCtr="0">
+            <a:noAutofit/>
+          </a:bodyPr>
+          <a:lstStyle/>
+          <a:p>
+            <a:pPr marL="0" lvl="0" indent="0" algn="ctr" rtl="0">
+              <a:spcBef>
+                <a:spcPts val="0"/>
               </a:spcBef>
               <a:spcAft>
                 <a:spcPts val="0"/>
@@ -10753,7 +10733,7 @@
             </a:pPr>
             <a:r>
               <a:rPr lang="en" dirty="0"/>
-              <a:t>You can insert graphs from Excel or Google Sheets</a:t>
+              <a:t>Low Level Desing - LLD</a:t>
             </a:r>
             <a:endParaRPr dirty="0"/>
           </a:p>
@@ -10761,7 +10741,7 @@
       </p:sp>
       <p:sp>
         <p:nvSpPr>
-          <p:cNvPr id="261" name="Google Shape;261;p30"/>
+          <p:cNvPr id="219" name="Google Shape;219;p28"/>
           <p:cNvSpPr txBox="1">
             <a:spLocks noGrp="1"/>
           </p:cNvSpPr>
@@ -10801,818 +10781,42 @@
           </a:p>
         </p:txBody>
       </p:sp>
-      <p:cxnSp>
-        <p:nvCxnSpPr>
-          <p:cNvPr id="262" name="Google Shape;262;p30"/>
-          <p:cNvCxnSpPr/>
+      <p:pic>
+        <p:nvPicPr>
+          <p:cNvPr id="3" name="Imagem 2">
+            <a:extLst>
+              <a:ext uri="{FF2B5EF4-FFF2-40B4-BE49-F238E27FC236}">
+                <a16:creationId xmlns:a16="http://schemas.microsoft.com/office/drawing/2014/main" id="{4D3F0D30-E2B0-4507-9A3E-54362D0770C7}"/>
+              </a:ext>
+            </a:extLst>
+          </p:cNvPr>
+          <p:cNvPicPr>
+            <a:picLocks noChangeAspect="1"/>
+          </p:cNvPicPr>
           <p:nvPr/>
-        </p:nvCxnSpPr>
-        <p:spPr>
-          <a:xfrm>
-            <a:off x="952500" y="870101"/>
-            <a:ext cx="7239000" cy="0"/>
-          </a:xfrm>
-          <a:prstGeom prst="straightConnector1">
-            <a:avLst/>
-          </a:prstGeom>
-          <a:noFill/>
-          <a:ln w="9525" cap="flat" cmpd="sng">
-            <a:solidFill>
-              <a:schemeClr val="lt2"/>
-            </a:solidFill>
-            <a:prstDash val="solid"/>
-            <a:round/>
-            <a:headEnd type="none" w="med" len="med"/>
-            <a:tailEnd type="none" w="med" len="med"/>
-          </a:ln>
-        </p:spPr>
-      </p:cxnSp>
-      <p:cxnSp>
-        <p:nvCxnSpPr>
-          <p:cNvPr id="263" name="Google Shape;263;p30"/>
-          <p:cNvCxnSpPr/>
-          <p:nvPr/>
-        </p:nvCxnSpPr>
-        <p:spPr>
-          <a:xfrm>
-            <a:off x="952500" y="1579583"/>
-            <a:ext cx="7239000" cy="0"/>
-          </a:xfrm>
-          <a:prstGeom prst="straightConnector1">
-            <a:avLst/>
-          </a:prstGeom>
-          <a:noFill/>
-          <a:ln w="9525" cap="flat" cmpd="sng">
-            <a:solidFill>
-              <a:schemeClr val="lt2"/>
-            </a:solidFill>
-            <a:prstDash val="solid"/>
-            <a:round/>
-            <a:headEnd type="none" w="med" len="med"/>
-            <a:tailEnd type="none" w="med" len="med"/>
-          </a:ln>
-        </p:spPr>
-      </p:cxnSp>
-      <p:cxnSp>
-        <p:nvCxnSpPr>
-          <p:cNvPr id="264" name="Google Shape;264;p30"/>
-          <p:cNvCxnSpPr/>
-          <p:nvPr/>
-        </p:nvCxnSpPr>
-        <p:spPr>
-          <a:xfrm>
-            <a:off x="952500" y="2289064"/>
-            <a:ext cx="7239000" cy="0"/>
-          </a:xfrm>
-          <a:prstGeom prst="straightConnector1">
-            <a:avLst/>
-          </a:prstGeom>
-          <a:noFill/>
-          <a:ln w="9525" cap="flat" cmpd="sng">
-            <a:solidFill>
-              <a:schemeClr val="lt2"/>
-            </a:solidFill>
-            <a:prstDash val="solid"/>
-            <a:round/>
-            <a:headEnd type="none" w="med" len="med"/>
-            <a:tailEnd type="none" w="med" len="med"/>
-          </a:ln>
-        </p:spPr>
-      </p:cxnSp>
-      <p:cxnSp>
-        <p:nvCxnSpPr>
-          <p:cNvPr id="265" name="Google Shape;265;p30"/>
-          <p:cNvCxnSpPr/>
-          <p:nvPr/>
-        </p:nvCxnSpPr>
-        <p:spPr>
-          <a:xfrm>
-            <a:off x="952500" y="2998546"/>
-            <a:ext cx="7239000" cy="0"/>
-          </a:xfrm>
-          <a:prstGeom prst="straightConnector1">
-            <a:avLst/>
-          </a:prstGeom>
-          <a:noFill/>
-          <a:ln w="9525" cap="flat" cmpd="sng">
-            <a:solidFill>
-              <a:schemeClr val="lt2"/>
-            </a:solidFill>
-            <a:prstDash val="solid"/>
-            <a:round/>
-            <a:headEnd type="none" w="med" len="med"/>
-            <a:tailEnd type="none" w="med" len="med"/>
-          </a:ln>
-        </p:spPr>
-      </p:cxnSp>
-      <p:cxnSp>
-        <p:nvCxnSpPr>
-          <p:cNvPr id="266" name="Google Shape;266;p30"/>
-          <p:cNvCxnSpPr/>
-          <p:nvPr/>
-        </p:nvCxnSpPr>
-        <p:spPr>
-          <a:xfrm>
-            <a:off x="952500" y="3729926"/>
-            <a:ext cx="7239000" cy="0"/>
-          </a:xfrm>
-          <a:prstGeom prst="straightConnector1">
-            <a:avLst/>
-          </a:prstGeom>
-          <a:noFill/>
-          <a:ln w="9525" cap="flat" cmpd="sng">
-            <a:solidFill>
-              <a:schemeClr val="lt2"/>
-            </a:solidFill>
-            <a:prstDash val="solid"/>
-            <a:round/>
-            <a:headEnd type="none" w="med" len="med"/>
-            <a:tailEnd type="none" w="med" len="med"/>
-          </a:ln>
-        </p:spPr>
-      </p:cxnSp>
-      <p:sp>
-        <p:nvSpPr>
-          <p:cNvPr id="267" name="Google Shape;267;p30"/>
-          <p:cNvSpPr txBox="1"/>
-          <p:nvPr/>
-        </p:nvSpPr>
-        <p:spPr>
-          <a:xfrm>
-            <a:off x="952500" y="711350"/>
-            <a:ext cx="364500" cy="3030300"/>
+        </p:nvPicPr>
+        <p:blipFill>
+          <a:blip r:embed="rId3"/>
+          <a:stretch>
+            <a:fillRect/>
+          </a:stretch>
+        </p:blipFill>
+        <p:spPr>
+          <a:xfrm>
+            <a:off x="1103771" y="2058933"/>
+            <a:ext cx="6936458" cy="2158649"/>
           </a:xfrm>
           <a:prstGeom prst="rect">
             <a:avLst/>
           </a:prstGeom>
-          <a:noFill/>
-          <a:ln>
-            <a:noFill/>
-          </a:ln>
-        </p:spPr>
-        <p:txBody>
-          <a:bodyPr spcFirstLastPara="1" wrap="square" lIns="0" tIns="0" rIns="0" bIns="0" anchor="t" anchorCtr="0">
-            <a:noAutofit/>
-          </a:bodyPr>
-          <a:lstStyle/>
-          <a:p>
-            <a:pPr marL="0" marR="0" lvl="0" indent="0" algn="r" rtl="0">
-              <a:lnSpc>
-                <a:spcPct val="100000"/>
-              </a:lnSpc>
-              <a:spcBef>
-                <a:spcPts val="0"/>
-              </a:spcBef>
-              <a:spcAft>
-                <a:spcPts val="0"/>
-              </a:spcAft>
-              <a:buNone/>
-            </a:pPr>
-            <a:r>
-              <a:rPr lang="en" sz="1000" dirty="0">
-                <a:solidFill>
-                  <a:schemeClr val="dk2"/>
-                </a:solidFill>
-                <a:latin typeface="Merriweather"/>
-                <a:ea typeface="Merriweather"/>
-                <a:cs typeface="Merriweather"/>
-                <a:sym typeface="Merriweather"/>
-              </a:rPr>
-              <a:t>4000</a:t>
-            </a:r>
-            <a:endParaRPr sz="1000" dirty="0">
-              <a:solidFill>
-                <a:schemeClr val="dk2"/>
-              </a:solidFill>
-              <a:latin typeface="Merriweather"/>
-              <a:ea typeface="Merriweather"/>
-              <a:cs typeface="Merriweather"/>
-              <a:sym typeface="Merriweather"/>
-            </a:endParaRPr>
-          </a:p>
-          <a:p>
-            <a:pPr marL="0" marR="0" lvl="0" indent="0" algn="r" rtl="0">
-              <a:lnSpc>
-                <a:spcPct val="100000"/>
-              </a:lnSpc>
-              <a:spcBef>
-                <a:spcPts val="4400"/>
-              </a:spcBef>
-              <a:spcAft>
-                <a:spcPts val="0"/>
-              </a:spcAft>
-              <a:buNone/>
-            </a:pPr>
-            <a:r>
-              <a:rPr lang="en" sz="1000" dirty="0">
-                <a:solidFill>
-                  <a:schemeClr val="dk2"/>
-                </a:solidFill>
-                <a:latin typeface="Merriweather"/>
-                <a:ea typeface="Merriweather"/>
-                <a:cs typeface="Merriweather"/>
-                <a:sym typeface="Merriweather"/>
-              </a:rPr>
-              <a:t>3000</a:t>
-            </a:r>
-            <a:endParaRPr sz="1000" dirty="0">
-              <a:solidFill>
-                <a:schemeClr val="dk2"/>
-              </a:solidFill>
-              <a:latin typeface="Merriweather"/>
-              <a:ea typeface="Merriweather"/>
-              <a:cs typeface="Merriweather"/>
-              <a:sym typeface="Merriweather"/>
-            </a:endParaRPr>
-          </a:p>
-          <a:p>
-            <a:pPr marL="0" marR="0" lvl="0" indent="0" algn="r" rtl="0">
-              <a:lnSpc>
-                <a:spcPct val="100000"/>
-              </a:lnSpc>
-              <a:spcBef>
-                <a:spcPts val="4400"/>
-              </a:spcBef>
-              <a:spcAft>
-                <a:spcPts val="0"/>
-              </a:spcAft>
-              <a:buNone/>
-            </a:pPr>
-            <a:r>
-              <a:rPr lang="en" sz="1000" dirty="0">
-                <a:solidFill>
-                  <a:schemeClr val="dk2"/>
-                </a:solidFill>
-                <a:latin typeface="Merriweather"/>
-                <a:ea typeface="Merriweather"/>
-                <a:cs typeface="Merriweather"/>
-                <a:sym typeface="Merriweather"/>
-              </a:rPr>
-              <a:t>2000</a:t>
-            </a:r>
-            <a:endParaRPr sz="1000" dirty="0">
-              <a:solidFill>
-                <a:schemeClr val="dk2"/>
-              </a:solidFill>
-              <a:latin typeface="Merriweather"/>
-              <a:ea typeface="Merriweather"/>
-              <a:cs typeface="Merriweather"/>
-              <a:sym typeface="Merriweather"/>
-            </a:endParaRPr>
-          </a:p>
-          <a:p>
-            <a:pPr marL="0" marR="0" lvl="0" indent="0" algn="r" rtl="0">
-              <a:lnSpc>
-                <a:spcPct val="100000"/>
-              </a:lnSpc>
-              <a:spcBef>
-                <a:spcPts val="4400"/>
-              </a:spcBef>
-              <a:spcAft>
-                <a:spcPts val="0"/>
-              </a:spcAft>
-              <a:buNone/>
-            </a:pPr>
-            <a:r>
-              <a:rPr lang="en" sz="1000" dirty="0">
-                <a:solidFill>
-                  <a:schemeClr val="dk2"/>
-                </a:solidFill>
-                <a:latin typeface="Merriweather"/>
-                <a:ea typeface="Merriweather"/>
-                <a:cs typeface="Merriweather"/>
-                <a:sym typeface="Merriweather"/>
-              </a:rPr>
-              <a:t>1000</a:t>
-            </a:r>
-            <a:endParaRPr sz="1000" dirty="0">
-              <a:solidFill>
-                <a:schemeClr val="dk2"/>
-              </a:solidFill>
-              <a:latin typeface="Merriweather"/>
-              <a:ea typeface="Merriweather"/>
-              <a:cs typeface="Merriweather"/>
-              <a:sym typeface="Merriweather"/>
-            </a:endParaRPr>
-          </a:p>
-          <a:p>
-            <a:pPr marL="0" marR="0" lvl="0" indent="0" algn="r" rtl="0">
-              <a:lnSpc>
-                <a:spcPct val="100000"/>
-              </a:lnSpc>
-              <a:spcBef>
-                <a:spcPts val="4400"/>
-              </a:spcBef>
-              <a:spcAft>
-                <a:spcPts val="4400"/>
-              </a:spcAft>
-              <a:buNone/>
-            </a:pPr>
-            <a:r>
-              <a:rPr lang="en" sz="1000" dirty="0">
-                <a:solidFill>
-                  <a:schemeClr val="dk2"/>
-                </a:solidFill>
-                <a:latin typeface="Merriweather"/>
-                <a:ea typeface="Merriweather"/>
-                <a:cs typeface="Merriweather"/>
-                <a:sym typeface="Merriweather"/>
-              </a:rPr>
-              <a:t>0</a:t>
-            </a:r>
-            <a:endParaRPr sz="1000" dirty="0">
-              <a:solidFill>
-                <a:schemeClr val="dk2"/>
-              </a:solidFill>
-              <a:latin typeface="Merriweather"/>
-              <a:ea typeface="Merriweather"/>
-              <a:cs typeface="Merriweather"/>
-              <a:sym typeface="Merriweather"/>
-            </a:endParaRPr>
-          </a:p>
-        </p:txBody>
-      </p:sp>
-      <p:sp>
-        <p:nvSpPr>
-          <p:cNvPr id="268" name="Google Shape;268;p30"/>
-          <p:cNvSpPr/>
-          <p:nvPr/>
-        </p:nvSpPr>
-        <p:spPr>
-          <a:xfrm>
-            <a:off x="1572782" y="2176337"/>
-            <a:ext cx="233700" cy="1553700"/>
-          </a:xfrm>
-          <a:prstGeom prst="rect">
-            <a:avLst/>
-          </a:prstGeom>
-          <a:solidFill>
-            <a:schemeClr val="accent1"/>
-          </a:solidFill>
-          <a:ln>
-            <a:noFill/>
-          </a:ln>
-        </p:spPr>
-        <p:txBody>
-          <a:bodyPr spcFirstLastPara="1" wrap="square" lIns="91425" tIns="91425" rIns="91425" bIns="91425" anchor="ctr" anchorCtr="0">
-            <a:noAutofit/>
-          </a:bodyPr>
-          <a:lstStyle/>
-          <a:p>
-            <a:pPr marL="0" lvl="0" indent="0" algn="l" rtl="0">
-              <a:spcBef>
-                <a:spcPts val="0"/>
-              </a:spcBef>
-              <a:spcAft>
-                <a:spcPts val="0"/>
-              </a:spcAft>
-              <a:buNone/>
-            </a:pPr>
-            <a:endParaRPr/>
-          </a:p>
-        </p:txBody>
-      </p:sp>
-      <p:sp>
-        <p:nvSpPr>
-          <p:cNvPr id="269" name="Google Shape;269;p30"/>
-          <p:cNvSpPr/>
-          <p:nvPr/>
-        </p:nvSpPr>
-        <p:spPr>
-          <a:xfrm>
-            <a:off x="1887026" y="1782274"/>
-            <a:ext cx="233700" cy="1947900"/>
-          </a:xfrm>
-          <a:prstGeom prst="rect">
-            <a:avLst/>
-          </a:prstGeom>
-          <a:solidFill>
-            <a:schemeClr val="accent2"/>
-          </a:solidFill>
-          <a:ln>
-            <a:noFill/>
-          </a:ln>
-        </p:spPr>
-        <p:txBody>
-          <a:bodyPr spcFirstLastPara="1" wrap="square" lIns="91425" tIns="91425" rIns="91425" bIns="91425" anchor="ctr" anchorCtr="0">
-            <a:noAutofit/>
-          </a:bodyPr>
-          <a:lstStyle/>
-          <a:p>
-            <a:pPr marL="0" lvl="0" indent="0" algn="l" rtl="0">
-              <a:spcBef>
-                <a:spcPts val="0"/>
-              </a:spcBef>
-              <a:spcAft>
-                <a:spcPts val="0"/>
-              </a:spcAft>
-              <a:buNone/>
-            </a:pPr>
-            <a:endParaRPr/>
-          </a:p>
-        </p:txBody>
-      </p:sp>
-      <p:sp>
-        <p:nvSpPr>
-          <p:cNvPr id="270" name="Google Shape;270;p30"/>
-          <p:cNvSpPr/>
-          <p:nvPr/>
-        </p:nvSpPr>
-        <p:spPr>
-          <a:xfrm>
-            <a:off x="2201270" y="2289064"/>
-            <a:ext cx="233700" cy="1441200"/>
-          </a:xfrm>
-          <a:prstGeom prst="rect">
-            <a:avLst/>
-          </a:prstGeom>
-          <a:solidFill>
-            <a:schemeClr val="accent3"/>
-          </a:solidFill>
-          <a:ln>
-            <a:noFill/>
-          </a:ln>
-        </p:spPr>
-        <p:txBody>
-          <a:bodyPr spcFirstLastPara="1" wrap="square" lIns="91425" tIns="91425" rIns="91425" bIns="91425" anchor="ctr" anchorCtr="0">
-            <a:noAutofit/>
-          </a:bodyPr>
-          <a:lstStyle/>
-          <a:p>
-            <a:pPr marL="0" lvl="0" indent="0" algn="l" rtl="0">
-              <a:spcBef>
-                <a:spcPts val="0"/>
-              </a:spcBef>
-              <a:spcAft>
-                <a:spcPts val="0"/>
-              </a:spcAft>
-              <a:buNone/>
-            </a:pPr>
-            <a:endParaRPr/>
-          </a:p>
-        </p:txBody>
-      </p:sp>
-      <p:sp>
-        <p:nvSpPr>
-          <p:cNvPr id="271" name="Google Shape;271;p30"/>
-          <p:cNvSpPr/>
-          <p:nvPr/>
-        </p:nvSpPr>
-        <p:spPr>
-          <a:xfrm>
-            <a:off x="3325786" y="2490127"/>
-            <a:ext cx="233700" cy="1239900"/>
-          </a:xfrm>
-          <a:prstGeom prst="rect">
-            <a:avLst/>
-          </a:prstGeom>
-          <a:solidFill>
-            <a:schemeClr val="accent1"/>
-          </a:solidFill>
-          <a:ln>
-            <a:noFill/>
-          </a:ln>
-        </p:spPr>
-        <p:txBody>
-          <a:bodyPr spcFirstLastPara="1" wrap="square" lIns="91425" tIns="91425" rIns="91425" bIns="91425" anchor="ctr" anchorCtr="0">
-            <a:noAutofit/>
-          </a:bodyPr>
-          <a:lstStyle/>
-          <a:p>
-            <a:pPr marL="0" lvl="0" indent="0" algn="l" rtl="0">
-              <a:spcBef>
-                <a:spcPts val="0"/>
-              </a:spcBef>
-              <a:spcAft>
-                <a:spcPts val="0"/>
-              </a:spcAft>
-              <a:buNone/>
-            </a:pPr>
-            <a:endParaRPr/>
-          </a:p>
-        </p:txBody>
-      </p:sp>
-      <p:sp>
-        <p:nvSpPr>
-          <p:cNvPr id="272" name="Google Shape;272;p30"/>
-          <p:cNvSpPr/>
-          <p:nvPr/>
-        </p:nvSpPr>
-        <p:spPr>
-          <a:xfrm>
-            <a:off x="3640031" y="1891744"/>
-            <a:ext cx="233700" cy="1838400"/>
-          </a:xfrm>
-          <a:prstGeom prst="rect">
-            <a:avLst/>
-          </a:prstGeom>
-          <a:solidFill>
-            <a:schemeClr val="accent2"/>
-          </a:solidFill>
-          <a:ln>
-            <a:noFill/>
-          </a:ln>
-        </p:spPr>
-        <p:txBody>
-          <a:bodyPr spcFirstLastPara="1" wrap="square" lIns="91425" tIns="91425" rIns="91425" bIns="91425" anchor="ctr" anchorCtr="0">
-            <a:noAutofit/>
-          </a:bodyPr>
-          <a:lstStyle/>
-          <a:p>
-            <a:pPr marL="0" lvl="0" indent="0" algn="l" rtl="0">
-              <a:spcBef>
-                <a:spcPts val="0"/>
-              </a:spcBef>
-              <a:spcAft>
-                <a:spcPts val="0"/>
-              </a:spcAft>
-              <a:buNone/>
-            </a:pPr>
-            <a:endParaRPr/>
-          </a:p>
-        </p:txBody>
-      </p:sp>
-      <p:sp>
-        <p:nvSpPr>
-          <p:cNvPr id="273" name="Google Shape;273;p30"/>
-          <p:cNvSpPr/>
-          <p:nvPr/>
-        </p:nvSpPr>
-        <p:spPr>
-          <a:xfrm>
-            <a:off x="3954275" y="1024425"/>
-            <a:ext cx="233700" cy="2706000"/>
-          </a:xfrm>
-          <a:prstGeom prst="rect">
-            <a:avLst/>
-          </a:prstGeom>
-          <a:solidFill>
-            <a:schemeClr val="accent3"/>
-          </a:solidFill>
-          <a:ln>
-            <a:noFill/>
-          </a:ln>
-        </p:spPr>
-        <p:txBody>
-          <a:bodyPr spcFirstLastPara="1" wrap="square" lIns="91425" tIns="91425" rIns="91425" bIns="91425" anchor="ctr" anchorCtr="0">
-            <a:noAutofit/>
-          </a:bodyPr>
-          <a:lstStyle/>
-          <a:p>
-            <a:pPr marL="0" lvl="0" indent="0" algn="l" rtl="0">
-              <a:spcBef>
-                <a:spcPts val="0"/>
-              </a:spcBef>
-              <a:spcAft>
-                <a:spcPts val="0"/>
-              </a:spcAft>
-              <a:buNone/>
-            </a:pPr>
-            <a:endParaRPr/>
-          </a:p>
-        </p:txBody>
-      </p:sp>
-      <p:sp>
-        <p:nvSpPr>
-          <p:cNvPr id="274" name="Google Shape;274;p30"/>
-          <p:cNvSpPr/>
-          <p:nvPr/>
-        </p:nvSpPr>
-        <p:spPr>
-          <a:xfrm>
-            <a:off x="5078791" y="1935520"/>
-            <a:ext cx="233700" cy="1794600"/>
-          </a:xfrm>
-          <a:prstGeom prst="rect">
-            <a:avLst/>
-          </a:prstGeom>
-          <a:solidFill>
-            <a:schemeClr val="accent1"/>
-          </a:solidFill>
-          <a:ln>
-            <a:noFill/>
-          </a:ln>
-        </p:spPr>
-        <p:txBody>
-          <a:bodyPr spcFirstLastPara="1" wrap="square" lIns="91425" tIns="91425" rIns="91425" bIns="91425" anchor="ctr" anchorCtr="0">
-            <a:noAutofit/>
-          </a:bodyPr>
-          <a:lstStyle/>
-          <a:p>
-            <a:pPr marL="0" lvl="0" indent="0" algn="l" rtl="0">
-              <a:spcBef>
-                <a:spcPts val="0"/>
-              </a:spcBef>
-              <a:spcAft>
-                <a:spcPts val="0"/>
-              </a:spcAft>
-              <a:buNone/>
-            </a:pPr>
-            <a:endParaRPr/>
-          </a:p>
-        </p:txBody>
-      </p:sp>
-      <p:sp>
-        <p:nvSpPr>
-          <p:cNvPr id="275" name="Google Shape;275;p30"/>
-          <p:cNvSpPr/>
-          <p:nvPr/>
-        </p:nvSpPr>
-        <p:spPr>
-          <a:xfrm>
-            <a:off x="5393035" y="869977"/>
-            <a:ext cx="233700" cy="2860200"/>
-          </a:xfrm>
-          <a:prstGeom prst="rect">
-            <a:avLst/>
-          </a:prstGeom>
-          <a:solidFill>
-            <a:schemeClr val="accent2"/>
-          </a:solidFill>
-          <a:ln>
-            <a:noFill/>
-          </a:ln>
-        </p:spPr>
-        <p:txBody>
-          <a:bodyPr spcFirstLastPara="1" wrap="square" lIns="91425" tIns="91425" rIns="91425" bIns="91425" anchor="ctr" anchorCtr="0">
-            <a:noAutofit/>
-          </a:bodyPr>
-          <a:lstStyle/>
-          <a:p>
-            <a:pPr marL="0" lvl="0" indent="0" algn="l" rtl="0">
-              <a:spcBef>
-                <a:spcPts val="0"/>
-              </a:spcBef>
-              <a:spcAft>
-                <a:spcPts val="0"/>
-              </a:spcAft>
-              <a:buNone/>
-            </a:pPr>
-            <a:endParaRPr/>
-          </a:p>
-        </p:txBody>
-      </p:sp>
-      <p:sp>
-        <p:nvSpPr>
-          <p:cNvPr id="276" name="Google Shape;276;p30"/>
-          <p:cNvSpPr/>
-          <p:nvPr/>
-        </p:nvSpPr>
-        <p:spPr>
-          <a:xfrm>
-            <a:off x="5707280" y="2117962"/>
-            <a:ext cx="233700" cy="1611900"/>
-          </a:xfrm>
-          <a:prstGeom prst="rect">
-            <a:avLst/>
-          </a:prstGeom>
-          <a:solidFill>
-            <a:schemeClr val="accent3"/>
-          </a:solidFill>
-          <a:ln>
-            <a:noFill/>
-          </a:ln>
-        </p:spPr>
-        <p:txBody>
-          <a:bodyPr spcFirstLastPara="1" wrap="square" lIns="91425" tIns="91425" rIns="91425" bIns="91425" anchor="ctr" anchorCtr="0">
-            <a:noAutofit/>
-          </a:bodyPr>
-          <a:lstStyle/>
-          <a:p>
-            <a:pPr marL="0" lvl="0" indent="0" algn="l" rtl="0">
-              <a:spcBef>
-                <a:spcPts val="0"/>
-              </a:spcBef>
-              <a:spcAft>
-                <a:spcPts val="0"/>
-              </a:spcAft>
-              <a:buNone/>
-            </a:pPr>
-            <a:endParaRPr/>
-          </a:p>
-        </p:txBody>
-      </p:sp>
-      <p:sp>
-        <p:nvSpPr>
-          <p:cNvPr id="277" name="Google Shape;277;p30"/>
-          <p:cNvSpPr/>
-          <p:nvPr/>
-        </p:nvSpPr>
-        <p:spPr>
-          <a:xfrm>
-            <a:off x="6831796" y="2548501"/>
-            <a:ext cx="233700" cy="1181400"/>
-          </a:xfrm>
-          <a:prstGeom prst="rect">
-            <a:avLst/>
-          </a:prstGeom>
-          <a:solidFill>
-            <a:schemeClr val="accent1"/>
-          </a:solidFill>
-          <a:ln>
-            <a:noFill/>
-          </a:ln>
-        </p:spPr>
-        <p:txBody>
-          <a:bodyPr spcFirstLastPara="1" wrap="square" lIns="91425" tIns="91425" rIns="91425" bIns="91425" anchor="ctr" anchorCtr="0">
-            <a:noAutofit/>
-          </a:bodyPr>
-          <a:lstStyle/>
-          <a:p>
-            <a:pPr marL="0" lvl="0" indent="0" algn="l" rtl="0">
-              <a:spcBef>
-                <a:spcPts val="0"/>
-              </a:spcBef>
-              <a:spcAft>
-                <a:spcPts val="0"/>
-              </a:spcAft>
-              <a:buNone/>
-            </a:pPr>
-            <a:endParaRPr/>
-          </a:p>
-        </p:txBody>
-      </p:sp>
-      <p:sp>
-        <p:nvSpPr>
-          <p:cNvPr id="278" name="Google Shape;278;p30"/>
-          <p:cNvSpPr/>
-          <p:nvPr/>
-        </p:nvSpPr>
-        <p:spPr>
-          <a:xfrm>
-            <a:off x="7146040" y="1089020"/>
-            <a:ext cx="233700" cy="2641200"/>
-          </a:xfrm>
-          <a:prstGeom prst="rect">
-            <a:avLst/>
-          </a:prstGeom>
-          <a:solidFill>
-            <a:schemeClr val="accent2"/>
-          </a:solidFill>
-          <a:ln>
-            <a:noFill/>
-          </a:ln>
-        </p:spPr>
-        <p:txBody>
-          <a:bodyPr spcFirstLastPara="1" wrap="square" lIns="91425" tIns="91425" rIns="91425" bIns="91425" anchor="ctr" anchorCtr="0">
-            <a:noAutofit/>
-          </a:bodyPr>
-          <a:lstStyle/>
-          <a:p>
-            <a:pPr marL="0" lvl="0" indent="0" algn="l" rtl="0">
-              <a:spcBef>
-                <a:spcPts val="0"/>
-              </a:spcBef>
-              <a:spcAft>
-                <a:spcPts val="0"/>
-              </a:spcAft>
-              <a:buNone/>
-            </a:pPr>
-            <a:endParaRPr/>
-          </a:p>
-        </p:txBody>
-      </p:sp>
-      <p:sp>
-        <p:nvSpPr>
-          <p:cNvPr id="279" name="Google Shape;279;p30"/>
-          <p:cNvSpPr/>
-          <p:nvPr/>
-        </p:nvSpPr>
-        <p:spPr>
-          <a:xfrm>
-            <a:off x="7460284" y="1402810"/>
-            <a:ext cx="233700" cy="2327400"/>
-          </a:xfrm>
-          <a:prstGeom prst="rect">
-            <a:avLst/>
-          </a:prstGeom>
-          <a:solidFill>
-            <a:schemeClr val="accent3"/>
-          </a:solidFill>
-          <a:ln>
-            <a:noFill/>
-          </a:ln>
-        </p:spPr>
-        <p:txBody>
-          <a:bodyPr spcFirstLastPara="1" wrap="square" lIns="91425" tIns="91425" rIns="91425" bIns="91425" anchor="ctr" anchorCtr="0">
-            <a:noAutofit/>
-          </a:bodyPr>
-          <a:lstStyle/>
-          <a:p>
-            <a:pPr marL="0" lvl="0" indent="0" algn="l" rtl="0">
-              <a:spcBef>
-                <a:spcPts val="0"/>
-              </a:spcBef>
-              <a:spcAft>
-                <a:spcPts val="0"/>
-              </a:spcAft>
-              <a:buNone/>
-            </a:pPr>
-            <a:endParaRPr/>
-          </a:p>
-        </p:txBody>
-      </p:sp>
+        </p:spPr>
+      </p:pic>
     </p:spTree>
+    <p:extLst>
+      <p:ext uri="{BB962C8B-B14F-4D97-AF65-F5344CB8AC3E}">
+        <p14:creationId xmlns:p14="http://schemas.microsoft.com/office/powerpoint/2010/main" val="3673544867"/>
+      </p:ext>
+    </p:extLst>
   </p:cSld>
   <p:clrMapOvr>
     <a:masterClrMapping/>
@@ -11625,7 +10829,7 @@
   <p:cSld>
     <p:spTree>
       <p:nvGrpSpPr>
-        <p:cNvPr id="1" name="Shape 202"/>
+        <p:cNvPr id="1" name="Shape 213"/>
         <p:cNvGrpSpPr/>
         <p:nvPr/>
       </p:nvGrpSpPr>
@@ -11639,23 +10843,22 @@
       </p:grpSpPr>
       <p:sp>
         <p:nvSpPr>
-          <p:cNvPr id="203" name="Google Shape;203;p27"/>
+          <p:cNvPr id="216" name="Google Shape;216;p28"/>
           <p:cNvSpPr txBox="1">
             <a:spLocks noGrp="1"/>
           </p:cNvSpPr>
           <p:nvPr>
-            <p:ph type="ctrTitle" idx="4294967295"/>
+            <p:ph type="title" idx="4294967295"/>
           </p:nvPr>
         </p:nvSpPr>
         <p:spPr>
           <a:xfrm>
-            <a:off x="1080600" y="590850"/>
-            <a:ext cx="6982800" cy="894900"/>
+            <a:off x="1810300" y="556800"/>
+            <a:ext cx="5523600" cy="477900"/>
           </a:xfrm>
           <a:prstGeom prst="rect">
             <a:avLst/>
           </a:prstGeom>
-          <a:noFill/>
         </p:spPr>
         <p:txBody>
           <a:bodyPr spcFirstLastPara="1" wrap="square" lIns="91425" tIns="91425" rIns="91425" bIns="91425" anchor="ctr" anchorCtr="0">
@@ -11673,82 +10876,34 @@
               <a:buNone/>
             </a:pPr>
             <a:r>
-              <a:rPr lang="en" sz="4800">
-                <a:solidFill>
-                  <a:schemeClr val="accent1"/>
-                </a:solidFill>
-              </a:rPr>
-              <a:t>89,526,124$</a:t>
+              <a:rPr lang="en"/>
+              <a:t>Our process is easy</a:t>
             </a:r>
-            <a:endParaRPr sz="4800">
-              <a:solidFill>
-                <a:schemeClr val="accent1"/>
-              </a:solidFill>
-            </a:endParaRPr>
+            <a:endParaRPr/>
           </a:p>
         </p:txBody>
       </p:sp>
       <p:sp>
         <p:nvSpPr>
-          <p:cNvPr id="204" name="Google Shape;204;p27"/>
+          <p:cNvPr id="217" name="Google Shape;217;p28"/>
           <p:cNvSpPr txBox="1">
             <a:spLocks noGrp="1"/>
           </p:cNvSpPr>
           <p:nvPr>
-            <p:ph type="subTitle" idx="4294967295"/>
+            <p:ph type="title"/>
           </p:nvPr>
         </p:nvSpPr>
         <p:spPr>
           <a:xfrm>
-            <a:off x="1080600" y="1277960"/>
-            <a:ext cx="6982800" cy="463200"/>
+            <a:off x="1810200" y="557513"/>
+            <a:ext cx="5523600" cy="477900"/>
           </a:xfrm>
           <a:prstGeom prst="rect">
             <a:avLst/>
           </a:prstGeom>
-        </p:spPr>
-        <p:txBody>
-          <a:bodyPr spcFirstLastPara="1" wrap="square" lIns="91425" tIns="91425" rIns="91425" bIns="91425" anchor="t" anchorCtr="0">
-            <a:noAutofit/>
-          </a:bodyPr>
-          <a:lstStyle/>
-          <a:p>
-            <a:pPr marL="0" lvl="0" indent="0" algn="ctr" rtl="0">
-              <a:spcBef>
-                <a:spcPts val="600"/>
-              </a:spcBef>
-              <a:spcAft>
-                <a:spcPts val="0"/>
-              </a:spcAft>
-              <a:buNone/>
-            </a:pPr>
-            <a:r>
-              <a:rPr lang="en" sz="1800"/>
-              <a:t>That’s a lot of money</a:t>
-            </a:r>
-            <a:endParaRPr sz="1800"/>
-          </a:p>
-        </p:txBody>
-      </p:sp>
-      <p:sp>
-        <p:nvSpPr>
-          <p:cNvPr id="205" name="Google Shape;205;p27"/>
-          <p:cNvSpPr txBox="1">
-            <a:spLocks noGrp="1"/>
-          </p:cNvSpPr>
-          <p:nvPr>
-            <p:ph type="ctrTitle" idx="4294967295"/>
-          </p:nvPr>
-        </p:nvSpPr>
-        <p:spPr>
-          <a:xfrm>
-            <a:off x="1080600" y="3219752"/>
-            <a:ext cx="6982800" cy="894900"/>
-          </a:xfrm>
-          <a:prstGeom prst="rect">
-            <a:avLst/>
-          </a:prstGeom>
-          <a:noFill/>
+          <a:solidFill>
+            <a:srgbClr val="002060"/>
+          </a:solidFill>
         </p:spPr>
         <p:txBody>
           <a:bodyPr spcFirstLastPara="1" wrap="square" lIns="91425" tIns="91425" rIns="91425" bIns="91425" anchor="ctr" anchorCtr="0">
@@ -11766,159 +10921,16 @@
               <a:buNone/>
             </a:pPr>
             <a:r>
-              <a:rPr lang="en" sz="4800">
-                <a:solidFill>
-                  <a:schemeClr val="accent1"/>
-                </a:solidFill>
-              </a:rPr>
-              <a:t>100%</a:t>
+              <a:rPr lang="en" dirty="0"/>
+              <a:t>Banco de Dados – Modelo Lógico</a:t>
             </a:r>
-            <a:endParaRPr sz="4800">
-              <a:solidFill>
-                <a:schemeClr val="accent1"/>
-              </a:solidFill>
-            </a:endParaRPr>
+            <a:endParaRPr dirty="0"/>
           </a:p>
         </p:txBody>
       </p:sp>
       <p:sp>
         <p:nvSpPr>
-          <p:cNvPr id="206" name="Google Shape;206;p27"/>
-          <p:cNvSpPr txBox="1">
-            <a:spLocks noGrp="1"/>
-          </p:cNvSpPr>
-          <p:nvPr>
-            <p:ph type="subTitle" idx="4294967295"/>
-          </p:nvPr>
-        </p:nvSpPr>
-        <p:spPr>
-          <a:xfrm>
-            <a:off x="1080600" y="3906862"/>
-            <a:ext cx="6982800" cy="463200"/>
-          </a:xfrm>
-          <a:prstGeom prst="rect">
-            <a:avLst/>
-          </a:prstGeom>
-        </p:spPr>
-        <p:txBody>
-          <a:bodyPr spcFirstLastPara="1" wrap="square" lIns="91425" tIns="91425" rIns="91425" bIns="91425" anchor="t" anchorCtr="0">
-            <a:noAutofit/>
-          </a:bodyPr>
-          <a:lstStyle/>
-          <a:p>
-            <a:pPr marL="0" lvl="0" indent="0" algn="ctr" rtl="0">
-              <a:spcBef>
-                <a:spcPts val="600"/>
-              </a:spcBef>
-              <a:spcAft>
-                <a:spcPts val="0"/>
-              </a:spcAft>
-              <a:buNone/>
-            </a:pPr>
-            <a:r>
-              <a:rPr lang="en" sz="1800"/>
-              <a:t>Total success!</a:t>
-            </a:r>
-            <a:endParaRPr sz="1800"/>
-          </a:p>
-        </p:txBody>
-      </p:sp>
-      <p:sp>
-        <p:nvSpPr>
-          <p:cNvPr id="207" name="Google Shape;207;p27"/>
-          <p:cNvSpPr txBox="1">
-            <a:spLocks noGrp="1"/>
-          </p:cNvSpPr>
-          <p:nvPr>
-            <p:ph type="ctrTitle" idx="4294967295"/>
-          </p:nvPr>
-        </p:nvSpPr>
-        <p:spPr>
-          <a:xfrm>
-            <a:off x="1080600" y="1905301"/>
-            <a:ext cx="6982800" cy="894900"/>
-          </a:xfrm>
-          <a:prstGeom prst="rect">
-            <a:avLst/>
-          </a:prstGeom>
-          <a:noFill/>
-        </p:spPr>
-        <p:txBody>
-          <a:bodyPr spcFirstLastPara="1" wrap="square" lIns="91425" tIns="91425" rIns="91425" bIns="91425" anchor="ctr" anchorCtr="0">
-            <a:noAutofit/>
-          </a:bodyPr>
-          <a:lstStyle/>
-          <a:p>
-            <a:pPr marL="0" lvl="0" indent="0" algn="ctr" rtl="0">
-              <a:spcBef>
-                <a:spcPts val="0"/>
-              </a:spcBef>
-              <a:spcAft>
-                <a:spcPts val="0"/>
-              </a:spcAft>
-              <a:buNone/>
-            </a:pPr>
-            <a:r>
-              <a:rPr lang="en" sz="4800" dirty="0">
-                <a:solidFill>
-                  <a:schemeClr val="accent1"/>
-                </a:solidFill>
-              </a:rPr>
-              <a:t>185,244 users</a:t>
-            </a:r>
-            <a:endParaRPr sz="4800" dirty="0">
-              <a:solidFill>
-                <a:schemeClr val="accent1"/>
-              </a:solidFill>
-            </a:endParaRPr>
-          </a:p>
-        </p:txBody>
-      </p:sp>
-      <p:sp>
-        <p:nvSpPr>
-          <p:cNvPr id="208" name="Google Shape;208;p27"/>
-          <p:cNvSpPr txBox="1">
-            <a:spLocks noGrp="1"/>
-          </p:cNvSpPr>
-          <p:nvPr>
-            <p:ph type="subTitle" idx="4294967295"/>
-          </p:nvPr>
-        </p:nvSpPr>
-        <p:spPr>
-          <a:xfrm>
-            <a:off x="1080600" y="2592411"/>
-            <a:ext cx="6982800" cy="463200"/>
-          </a:xfrm>
-          <a:prstGeom prst="rect">
-            <a:avLst/>
-          </a:prstGeom>
-        </p:spPr>
-        <p:txBody>
-          <a:bodyPr spcFirstLastPara="1" wrap="square" lIns="91425" tIns="91425" rIns="91425" bIns="91425" anchor="t" anchorCtr="0">
-            <a:noAutofit/>
-          </a:bodyPr>
-          <a:lstStyle/>
-          <a:p>
-            <a:pPr marL="0" lvl="0" indent="0" algn="ctr" rtl="0">
-              <a:spcBef>
-                <a:spcPts val="600"/>
-              </a:spcBef>
-              <a:spcAft>
-                <a:spcPts val="0"/>
-              </a:spcAft>
-              <a:buNone/>
-            </a:pPr>
-            <a:r>
-              <a:rPr lang="en" sz="1800" dirty="0"/>
-              <a:t>And a lot of users</a:t>
-            </a:r>
-            <a:endParaRPr sz="1800" dirty="0"/>
-          </a:p>
-        </p:txBody>
-      </p:sp>
-      <p:sp>
-        <p:nvSpPr>
-          <p:cNvPr id="209" name="Google Shape;209;p27"/>
+          <p:cNvPr id="219" name="Google Shape;219;p28"/>
           <p:cNvSpPr txBox="1">
             <a:spLocks noGrp="1"/>
           </p:cNvSpPr>
@@ -11958,6 +10970,36 @@
           </a:p>
         </p:txBody>
       </p:sp>
+      <p:pic>
+        <p:nvPicPr>
+          <p:cNvPr id="3" name="Imagem 2">
+            <a:extLst>
+              <a:ext uri="{FF2B5EF4-FFF2-40B4-BE49-F238E27FC236}">
+                <a16:creationId xmlns:a16="http://schemas.microsoft.com/office/drawing/2014/main" id="{6DDA637E-A570-4F27-B787-DE8CE4B1A344}"/>
+              </a:ext>
+            </a:extLst>
+          </p:cNvPr>
+          <p:cNvPicPr>
+            <a:picLocks noChangeAspect="1"/>
+          </p:cNvPicPr>
+          <p:nvPr/>
+        </p:nvPicPr>
+        <p:blipFill>
+          <a:blip r:embed="rId3"/>
+          <a:stretch>
+            <a:fillRect/>
+          </a:stretch>
+        </p:blipFill>
+        <p:spPr>
+          <a:xfrm>
+            <a:off x="1439908" y="1487152"/>
+            <a:ext cx="6264183" cy="3276884"/>
+          </a:xfrm>
+          <a:prstGeom prst="rect">
+            <a:avLst/>
+          </a:prstGeom>
+        </p:spPr>
+      </p:pic>
     </p:spTree>
   </p:cSld>
   <p:clrMapOvr>
